--- a/Slides/Lesson1.3.pptx
+++ b/Slides/Lesson1.3.pptx
@@ -4,6 +4,9 @@
   <p:sldMasterIdLst>
     <p:sldMasterId id="2147483648" r:id="rId1"/>
   </p:sldMasterIdLst>
+  <p:notesMasterIdLst>
+    <p:notesMasterId r:id="rId17"/>
+  </p:notesMasterIdLst>
   <p:sldIdLst>
     <p:sldId id="256" r:id="rId2"/>
     <p:sldId id="257" r:id="rId3"/>
@@ -12,6 +15,14 @@
     <p:sldId id="260" r:id="rId6"/>
     <p:sldId id="261" r:id="rId7"/>
     <p:sldId id="262" r:id="rId8"/>
+    <p:sldId id="263" r:id="rId9"/>
+    <p:sldId id="264" r:id="rId10"/>
+    <p:sldId id="265" r:id="rId11"/>
+    <p:sldId id="266" r:id="rId12"/>
+    <p:sldId id="267" r:id="rId13"/>
+    <p:sldId id="268" r:id="rId14"/>
+    <p:sldId id="269" r:id="rId15"/>
+    <p:sldId id="270" r:id="rId16"/>
   </p:sldIdLst>
   <p:sldSz cx="12192000" cy="6858000"/>
   <p:notesSz cx="6858000" cy="9144000"/>
@@ -110,7 +121,448 @@
       </a:defRPr>
     </a:lvl9pPr>
   </p:defaultTextStyle>
+  <p:extLst>
+    <p:ext uri="{EFAFB233-063F-42B5-8137-9DF3F51BA10A}">
+      <p15:sldGuideLst xmlns:p15="http://schemas.microsoft.com/office/powerpoint/2012/main"/>
+    </p:ext>
+  </p:extLst>
 </p:presentation>
+</file>
+
+<file path=ppt/notesMasters/notesMaster1.xml><?xml version="1.0" encoding="utf-8"?>
+<p:notesMaster xmlns:a="http://schemas.openxmlformats.org/drawingml/2006/main" xmlns:r="http://schemas.openxmlformats.org/officeDocument/2006/relationships" xmlns:p="http://schemas.openxmlformats.org/presentationml/2006/main">
+  <p:cSld>
+    <p:bg>
+      <p:bgRef idx="1001">
+        <a:schemeClr val="bg1"/>
+      </p:bgRef>
+    </p:bg>
+    <p:spTree>
+      <p:nvGrpSpPr>
+        <p:cNvPr id="1" name=""/>
+        <p:cNvGrpSpPr/>
+        <p:nvPr/>
+      </p:nvGrpSpPr>
+      <p:grpSpPr>
+        <a:xfrm>
+          <a:off x="0" y="0"/>
+          <a:ext cx="0" cy="0"/>
+          <a:chOff x="0" y="0"/>
+          <a:chExt cx="0" cy="0"/>
+        </a:xfrm>
+      </p:grpSpPr>
+      <p:sp>
+        <p:nvSpPr>
+          <p:cNvPr id="2" name="Header Placeholder 1"/>
+          <p:cNvSpPr>
+            <a:spLocks noGrp="1"/>
+          </p:cNvSpPr>
+          <p:nvPr>
+            <p:ph type="hdr" sz="quarter"/>
+          </p:nvPr>
+        </p:nvSpPr>
+        <p:spPr>
+          <a:xfrm>
+            <a:off x="0" y="0"/>
+            <a:ext cx="2971800" cy="458788"/>
+          </a:xfrm>
+          <a:prstGeom prst="rect">
+            <a:avLst/>
+          </a:prstGeom>
+        </p:spPr>
+        <p:txBody>
+          <a:bodyPr vert="horz" lIns="91440" tIns="45720" rIns="91440" bIns="45720" rtlCol="0"/>
+          <a:lstStyle>
+            <a:lvl1pPr algn="l">
+              <a:defRPr sz="1200"/>
+            </a:lvl1pPr>
+          </a:lstStyle>
+          <a:p>
+            <a:endParaRPr lang="en-US"/>
+          </a:p>
+        </p:txBody>
+      </p:sp>
+      <p:sp>
+        <p:nvSpPr>
+          <p:cNvPr id="3" name="Date Placeholder 2"/>
+          <p:cNvSpPr>
+            <a:spLocks noGrp="1"/>
+          </p:cNvSpPr>
+          <p:nvPr>
+            <p:ph type="dt" idx="1"/>
+          </p:nvPr>
+        </p:nvSpPr>
+        <p:spPr>
+          <a:xfrm>
+            <a:off x="3884613" y="0"/>
+            <a:ext cx="2971800" cy="458788"/>
+          </a:xfrm>
+          <a:prstGeom prst="rect">
+            <a:avLst/>
+          </a:prstGeom>
+        </p:spPr>
+        <p:txBody>
+          <a:bodyPr vert="horz" lIns="91440" tIns="45720" rIns="91440" bIns="45720" rtlCol="0"/>
+          <a:lstStyle>
+            <a:lvl1pPr algn="r">
+              <a:defRPr sz="1200"/>
+            </a:lvl1pPr>
+          </a:lstStyle>
+          <a:p>
+            <a:fld id="{5A2C853B-AD41-4CA0-953D-935D89A099A3}" type="datetimeFigureOut">
+              <a:rPr lang="en-US" smtClean="0"/>
+              <a:t>4/8/2019</a:t>
+            </a:fld>
+            <a:endParaRPr lang="en-US"/>
+          </a:p>
+        </p:txBody>
+      </p:sp>
+      <p:sp>
+        <p:nvSpPr>
+          <p:cNvPr id="4" name="Slide Image Placeholder 3"/>
+          <p:cNvSpPr>
+            <a:spLocks noGrp="1" noRot="1" noChangeAspect="1"/>
+          </p:cNvSpPr>
+          <p:nvPr>
+            <p:ph type="sldImg" idx="2"/>
+          </p:nvPr>
+        </p:nvSpPr>
+        <p:spPr>
+          <a:xfrm>
+            <a:off x="685800" y="1143000"/>
+            <a:ext cx="5486400" cy="3086100"/>
+          </a:xfrm>
+          <a:prstGeom prst="rect">
+            <a:avLst/>
+          </a:prstGeom>
+          <a:noFill/>
+          <a:ln w="12700">
+            <a:solidFill>
+              <a:prstClr val="black"/>
+            </a:solidFill>
+          </a:ln>
+        </p:spPr>
+        <p:txBody>
+          <a:bodyPr vert="horz" lIns="91440" tIns="45720" rIns="91440" bIns="45720" rtlCol="0" anchor="ctr"/>
+          <a:lstStyle/>
+          <a:p>
+            <a:endParaRPr lang="en-US"/>
+          </a:p>
+        </p:txBody>
+      </p:sp>
+      <p:sp>
+        <p:nvSpPr>
+          <p:cNvPr id="5" name="Notes Placeholder 4"/>
+          <p:cNvSpPr>
+            <a:spLocks noGrp="1"/>
+          </p:cNvSpPr>
+          <p:nvPr>
+            <p:ph type="body" sz="quarter" idx="3"/>
+          </p:nvPr>
+        </p:nvSpPr>
+        <p:spPr>
+          <a:xfrm>
+            <a:off x="685800" y="4400550"/>
+            <a:ext cx="5486400" cy="3600450"/>
+          </a:xfrm>
+          <a:prstGeom prst="rect">
+            <a:avLst/>
+          </a:prstGeom>
+        </p:spPr>
+        <p:txBody>
+          <a:bodyPr vert="horz" lIns="91440" tIns="45720" rIns="91440" bIns="45720" rtlCol="0"/>
+          <a:lstStyle/>
+          <a:p>
+            <a:pPr lvl="0"/>
+            <a:r>
+              <a:rPr lang="en-US"/>
+              <a:t>Click to edit Master text styles</a:t>
+            </a:r>
+          </a:p>
+          <a:p>
+            <a:pPr lvl="1"/>
+            <a:r>
+              <a:rPr lang="en-US"/>
+              <a:t>Second level</a:t>
+            </a:r>
+          </a:p>
+          <a:p>
+            <a:pPr lvl="2"/>
+            <a:r>
+              <a:rPr lang="en-US"/>
+              <a:t>Third level</a:t>
+            </a:r>
+          </a:p>
+          <a:p>
+            <a:pPr lvl="3"/>
+            <a:r>
+              <a:rPr lang="en-US"/>
+              <a:t>Fourth level</a:t>
+            </a:r>
+          </a:p>
+          <a:p>
+            <a:pPr lvl="4"/>
+            <a:r>
+              <a:rPr lang="en-US"/>
+              <a:t>Fifth level</a:t>
+            </a:r>
+          </a:p>
+        </p:txBody>
+      </p:sp>
+      <p:sp>
+        <p:nvSpPr>
+          <p:cNvPr id="6" name="Footer Placeholder 5"/>
+          <p:cNvSpPr>
+            <a:spLocks noGrp="1"/>
+          </p:cNvSpPr>
+          <p:nvPr>
+            <p:ph type="ftr" sz="quarter" idx="4"/>
+          </p:nvPr>
+        </p:nvSpPr>
+        <p:spPr>
+          <a:xfrm>
+            <a:off x="0" y="8685213"/>
+            <a:ext cx="2971800" cy="458787"/>
+          </a:xfrm>
+          <a:prstGeom prst="rect">
+            <a:avLst/>
+          </a:prstGeom>
+        </p:spPr>
+        <p:txBody>
+          <a:bodyPr vert="horz" lIns="91440" tIns="45720" rIns="91440" bIns="45720" rtlCol="0" anchor="b"/>
+          <a:lstStyle>
+            <a:lvl1pPr algn="l">
+              <a:defRPr sz="1200"/>
+            </a:lvl1pPr>
+          </a:lstStyle>
+          <a:p>
+            <a:endParaRPr lang="en-US"/>
+          </a:p>
+        </p:txBody>
+      </p:sp>
+      <p:sp>
+        <p:nvSpPr>
+          <p:cNvPr id="7" name="Slide Number Placeholder 6"/>
+          <p:cNvSpPr>
+            <a:spLocks noGrp="1"/>
+          </p:cNvSpPr>
+          <p:nvPr>
+            <p:ph type="sldNum" sz="quarter" idx="5"/>
+          </p:nvPr>
+        </p:nvSpPr>
+        <p:spPr>
+          <a:xfrm>
+            <a:off x="3884613" y="8685213"/>
+            <a:ext cx="2971800" cy="458787"/>
+          </a:xfrm>
+          <a:prstGeom prst="rect">
+            <a:avLst/>
+          </a:prstGeom>
+        </p:spPr>
+        <p:txBody>
+          <a:bodyPr vert="horz" lIns="91440" tIns="45720" rIns="91440" bIns="45720" rtlCol="0" anchor="b"/>
+          <a:lstStyle>
+            <a:lvl1pPr algn="r">
+              <a:defRPr sz="1200"/>
+            </a:lvl1pPr>
+          </a:lstStyle>
+          <a:p>
+            <a:fld id="{ACD46A34-503E-4EFF-8538-22E50CC4DF9A}" type="slidenum">
+              <a:rPr lang="en-US" smtClean="0"/>
+              <a:t>‹#›</a:t>
+            </a:fld>
+            <a:endParaRPr lang="en-US"/>
+          </a:p>
+        </p:txBody>
+      </p:sp>
+    </p:spTree>
+    <p:extLst>
+      <p:ext uri="{BB962C8B-B14F-4D97-AF65-F5344CB8AC3E}">
+        <p14:creationId xmlns:p14="http://schemas.microsoft.com/office/powerpoint/2010/main" val="3010317002"/>
+      </p:ext>
+    </p:extLst>
+  </p:cSld>
+  <p:clrMap bg1="lt1" tx1="dk1" bg2="lt2" tx2="dk2" accent1="accent1" accent2="accent2" accent3="accent3" accent4="accent4" accent5="accent5" accent6="accent6" hlink="hlink" folHlink="folHlink"/>
+  <p:notesStyle>
+    <a:lvl1pPr marL="0" algn="l" defTabSz="914400" rtl="0" eaLnBrk="1" latinLnBrk="0" hangingPunct="1">
+      <a:defRPr sz="1200" kern="1200">
+        <a:solidFill>
+          <a:schemeClr val="tx1"/>
+        </a:solidFill>
+        <a:latin typeface="+mn-lt"/>
+        <a:ea typeface="+mn-ea"/>
+        <a:cs typeface="+mn-cs"/>
+      </a:defRPr>
+    </a:lvl1pPr>
+    <a:lvl2pPr marL="457200" algn="l" defTabSz="914400" rtl="0" eaLnBrk="1" latinLnBrk="0" hangingPunct="1">
+      <a:defRPr sz="1200" kern="1200">
+        <a:solidFill>
+          <a:schemeClr val="tx1"/>
+        </a:solidFill>
+        <a:latin typeface="+mn-lt"/>
+        <a:ea typeface="+mn-ea"/>
+        <a:cs typeface="+mn-cs"/>
+      </a:defRPr>
+    </a:lvl2pPr>
+    <a:lvl3pPr marL="914400" algn="l" defTabSz="914400" rtl="0" eaLnBrk="1" latinLnBrk="0" hangingPunct="1">
+      <a:defRPr sz="1200" kern="1200">
+        <a:solidFill>
+          <a:schemeClr val="tx1"/>
+        </a:solidFill>
+        <a:latin typeface="+mn-lt"/>
+        <a:ea typeface="+mn-ea"/>
+        <a:cs typeface="+mn-cs"/>
+      </a:defRPr>
+    </a:lvl3pPr>
+    <a:lvl4pPr marL="1371600" algn="l" defTabSz="914400" rtl="0" eaLnBrk="1" latinLnBrk="0" hangingPunct="1">
+      <a:defRPr sz="1200" kern="1200">
+        <a:solidFill>
+          <a:schemeClr val="tx1"/>
+        </a:solidFill>
+        <a:latin typeface="+mn-lt"/>
+        <a:ea typeface="+mn-ea"/>
+        <a:cs typeface="+mn-cs"/>
+      </a:defRPr>
+    </a:lvl4pPr>
+    <a:lvl5pPr marL="1828800" algn="l" defTabSz="914400" rtl="0" eaLnBrk="1" latinLnBrk="0" hangingPunct="1">
+      <a:defRPr sz="1200" kern="1200">
+        <a:solidFill>
+          <a:schemeClr val="tx1"/>
+        </a:solidFill>
+        <a:latin typeface="+mn-lt"/>
+        <a:ea typeface="+mn-ea"/>
+        <a:cs typeface="+mn-cs"/>
+      </a:defRPr>
+    </a:lvl5pPr>
+    <a:lvl6pPr marL="2286000" algn="l" defTabSz="914400" rtl="0" eaLnBrk="1" latinLnBrk="0" hangingPunct="1">
+      <a:defRPr sz="1200" kern="1200">
+        <a:solidFill>
+          <a:schemeClr val="tx1"/>
+        </a:solidFill>
+        <a:latin typeface="+mn-lt"/>
+        <a:ea typeface="+mn-ea"/>
+        <a:cs typeface="+mn-cs"/>
+      </a:defRPr>
+    </a:lvl6pPr>
+    <a:lvl7pPr marL="2743200" algn="l" defTabSz="914400" rtl="0" eaLnBrk="1" latinLnBrk="0" hangingPunct="1">
+      <a:defRPr sz="1200" kern="1200">
+        <a:solidFill>
+          <a:schemeClr val="tx1"/>
+        </a:solidFill>
+        <a:latin typeface="+mn-lt"/>
+        <a:ea typeface="+mn-ea"/>
+        <a:cs typeface="+mn-cs"/>
+      </a:defRPr>
+    </a:lvl7pPr>
+    <a:lvl8pPr marL="3200400" algn="l" defTabSz="914400" rtl="0" eaLnBrk="1" latinLnBrk="0" hangingPunct="1">
+      <a:defRPr sz="1200" kern="1200">
+        <a:solidFill>
+          <a:schemeClr val="tx1"/>
+        </a:solidFill>
+        <a:latin typeface="+mn-lt"/>
+        <a:ea typeface="+mn-ea"/>
+        <a:cs typeface="+mn-cs"/>
+      </a:defRPr>
+    </a:lvl8pPr>
+    <a:lvl9pPr marL="3657600" algn="l" defTabSz="914400" rtl="0" eaLnBrk="1" latinLnBrk="0" hangingPunct="1">
+      <a:defRPr sz="1200" kern="1200">
+        <a:solidFill>
+          <a:schemeClr val="tx1"/>
+        </a:solidFill>
+        <a:latin typeface="+mn-lt"/>
+        <a:ea typeface="+mn-ea"/>
+        <a:cs typeface="+mn-cs"/>
+      </a:defRPr>
+    </a:lvl9pPr>
+  </p:notesStyle>
+</p:notesMaster>
+</file>
+
+<file path=ppt/notesSlides/notesSlide1.xml><?xml version="1.0" encoding="utf-8"?>
+<p:notes xmlns:a="http://schemas.openxmlformats.org/drawingml/2006/main" xmlns:r="http://schemas.openxmlformats.org/officeDocument/2006/relationships" xmlns:p="http://schemas.openxmlformats.org/presentationml/2006/main">
+  <p:cSld>
+    <p:spTree>
+      <p:nvGrpSpPr>
+        <p:cNvPr id="1" name=""/>
+        <p:cNvGrpSpPr/>
+        <p:nvPr/>
+      </p:nvGrpSpPr>
+      <p:grpSpPr>
+        <a:xfrm>
+          <a:off x="0" y="0"/>
+          <a:ext cx="0" cy="0"/>
+          <a:chOff x="0" y="0"/>
+          <a:chExt cx="0" cy="0"/>
+        </a:xfrm>
+      </p:grpSpPr>
+      <p:sp>
+        <p:nvSpPr>
+          <p:cNvPr id="2" name="Slide Image Placeholder 1"/>
+          <p:cNvSpPr>
+            <a:spLocks noGrp="1" noRot="1" noChangeAspect="1"/>
+          </p:cNvSpPr>
+          <p:nvPr>
+            <p:ph type="sldImg"/>
+          </p:nvPr>
+        </p:nvSpPr>
+        <p:spPr/>
+      </p:sp>
+      <p:sp>
+        <p:nvSpPr>
+          <p:cNvPr id="3" name="Notes Placeholder 2"/>
+          <p:cNvSpPr>
+            <a:spLocks noGrp="1"/>
+          </p:cNvSpPr>
+          <p:nvPr>
+            <p:ph type="body" idx="1"/>
+          </p:nvPr>
+        </p:nvSpPr>
+        <p:spPr/>
+        <p:txBody>
+          <a:bodyPr/>
+          <a:lstStyle/>
+          <a:p>
+            <a:r>
+              <a:rPr lang="en-US" dirty="0"/>
+              <a:t>Go to examples</a:t>
+            </a:r>
+          </a:p>
+        </p:txBody>
+      </p:sp>
+      <p:sp>
+        <p:nvSpPr>
+          <p:cNvPr id="4" name="Slide Number Placeholder 3"/>
+          <p:cNvSpPr>
+            <a:spLocks noGrp="1"/>
+          </p:cNvSpPr>
+          <p:nvPr>
+            <p:ph type="sldNum" sz="quarter" idx="5"/>
+          </p:nvPr>
+        </p:nvSpPr>
+        <p:spPr/>
+        <p:txBody>
+          <a:bodyPr/>
+          <a:lstStyle/>
+          <a:p>
+            <a:fld id="{ACD46A34-503E-4EFF-8538-22E50CC4DF9A}" type="slidenum">
+              <a:rPr lang="en-US" smtClean="0"/>
+              <a:t>14</a:t>
+            </a:fld>
+            <a:endParaRPr lang="en-US"/>
+          </a:p>
+        </p:txBody>
+      </p:sp>
+    </p:spTree>
+    <p:extLst>
+      <p:ext uri="{BB962C8B-B14F-4D97-AF65-F5344CB8AC3E}">
+        <p14:creationId xmlns:p14="http://schemas.microsoft.com/office/powerpoint/2010/main" val="3207660696"/>
+      </p:ext>
+    </p:extLst>
+  </p:cSld>
+  <p:clrMapOvr>
+    <a:masterClrMapping/>
+  </p:clrMapOvr>
+</p:notes>
 </file>
 
 <file path=ppt/slideLayouts/slideLayout1.xml><?xml version="1.0" encoding="utf-8"?>
@@ -859,7 +1311,7 @@
             <a:fld id="{B61BEF0D-F0BB-DE4B-95CE-6DB70DBA9567}" type="datetimeFigureOut">
               <a:rPr lang="en-US" dirty="0"/>
               <a:pPr/>
-              <a:t>4/7/2019</a:t>
+              <a:t>4/8/2019</a:t>
             </a:fld>
             <a:endParaRPr lang="en-US" dirty="0"/>
           </a:p>
@@ -1107,7 +1559,7 @@
             <a:fld id="{B61BEF0D-F0BB-DE4B-95CE-6DB70DBA9567}" type="datetimeFigureOut">
               <a:rPr lang="en-US" dirty="0"/>
               <a:pPr/>
-              <a:t>4/7/2019</a:t>
+              <a:t>4/8/2019</a:t>
             </a:fld>
             <a:endParaRPr lang="en-US" dirty="0"/>
           </a:p>
@@ -1418,7 +1870,7 @@
             <a:fld id="{B61BEF0D-F0BB-DE4B-95CE-6DB70DBA9567}" type="datetimeFigureOut">
               <a:rPr lang="en-US" dirty="0"/>
               <a:pPr/>
-              <a:t>4/7/2019</a:t>
+              <a:t>4/8/2019</a:t>
             </a:fld>
             <a:endParaRPr lang="en-US" dirty="0"/>
           </a:p>
@@ -1748,7 +2200,7 @@
             <a:fld id="{B61BEF0D-F0BB-DE4B-95CE-6DB70DBA9567}" type="datetimeFigureOut">
               <a:rPr lang="en-US" dirty="0"/>
               <a:pPr/>
-              <a:t>4/7/2019</a:t>
+              <a:t>4/8/2019</a:t>
             </a:fld>
             <a:endParaRPr lang="en-US" dirty="0"/>
           </a:p>
@@ -2059,7 +2511,7 @@
             <a:fld id="{B61BEF0D-F0BB-DE4B-95CE-6DB70DBA9567}" type="datetimeFigureOut">
               <a:rPr lang="en-US" dirty="0"/>
               <a:pPr/>
-              <a:t>4/7/2019</a:t>
+              <a:t>4/8/2019</a:t>
             </a:fld>
             <a:endParaRPr lang="en-US" dirty="0"/>
           </a:p>
@@ -2449,7 +2901,7 @@
             <a:fld id="{B61BEF0D-F0BB-DE4B-95CE-6DB70DBA9567}" type="datetimeFigureOut">
               <a:rPr lang="en-US" dirty="0"/>
               <a:pPr/>
-              <a:t>4/7/2019</a:t>
+              <a:t>4/8/2019</a:t>
             </a:fld>
             <a:endParaRPr lang="en-US" dirty="0"/>
           </a:p>
@@ -2615,7 +3067,7 @@
           <a:p>
             <a:fld id="{55C6B4A9-1611-4792-9094-5F34BCA07E0B}" type="datetimeFigureOut">
               <a:rPr lang="en-US" dirty="0"/>
-              <a:t>4/7/2019</a:t>
+              <a:t>4/8/2019</a:t>
             </a:fld>
             <a:endParaRPr lang="en-US" dirty="0"/>
           </a:p>
@@ -2791,7 +3243,7 @@
             <a:fld id="{B61BEF0D-F0BB-DE4B-95CE-6DB70DBA9567}" type="datetimeFigureOut">
               <a:rPr lang="en-US" dirty="0"/>
               <a:pPr/>
-              <a:t>4/7/2019</a:t>
+              <a:t>4/8/2019</a:t>
             </a:fld>
             <a:endParaRPr lang="en-US" dirty="0"/>
           </a:p>
@@ -2957,7 +3409,7 @@
           <a:p>
             <a:fld id="{42A54C80-263E-416B-A8E0-580EDEADCBDC}" type="datetimeFigureOut">
               <a:rPr lang="en-US" dirty="0"/>
-              <a:t>4/7/2019</a:t>
+              <a:t>4/8/2019</a:t>
             </a:fld>
             <a:endParaRPr lang="en-US" dirty="0"/>
           </a:p>
@@ -3200,7 +3652,7 @@
             <a:fld id="{B61BEF0D-F0BB-DE4B-95CE-6DB70DBA9567}" type="datetimeFigureOut">
               <a:rPr lang="en-US" dirty="0"/>
               <a:pPr/>
-              <a:t>4/7/2019</a:t>
+              <a:t>4/8/2019</a:t>
             </a:fld>
             <a:endParaRPr lang="en-US" dirty="0"/>
           </a:p>
@@ -3428,7 +3880,7 @@
           <a:p>
             <a:fld id="{42A54C80-263E-416B-A8E0-580EDEADCBDC}" type="datetimeFigureOut">
               <a:rPr lang="en-US" dirty="0"/>
-              <a:t>4/7/2019</a:t>
+              <a:t>4/8/2019</a:t>
             </a:fld>
             <a:endParaRPr lang="en-US" dirty="0"/>
           </a:p>
@@ -3798,7 +4250,7 @@
             <a:fld id="{B61BEF0D-F0BB-DE4B-95CE-6DB70DBA9567}" type="datetimeFigureOut">
               <a:rPr lang="en-US" dirty="0"/>
               <a:pPr/>
-              <a:t>4/7/2019</a:t>
+              <a:t>4/8/2019</a:t>
             </a:fld>
             <a:endParaRPr lang="en-US" dirty="0"/>
           </a:p>
@@ -3918,7 +4370,7 @@
             <a:fld id="{B61BEF0D-F0BB-DE4B-95CE-6DB70DBA9567}" type="datetimeFigureOut">
               <a:rPr lang="en-US" dirty="0"/>
               <a:pPr/>
-              <a:t>4/7/2019</a:t>
+              <a:t>4/8/2019</a:t>
             </a:fld>
             <a:endParaRPr lang="en-US" dirty="0"/>
           </a:p>
@@ -4010,7 +4462,7 @@
             <a:fld id="{B61BEF0D-F0BB-DE4B-95CE-6DB70DBA9567}" type="datetimeFigureOut">
               <a:rPr lang="en-US" dirty="0"/>
               <a:pPr/>
-              <a:t>4/7/2019</a:t>
+              <a:t>4/8/2019</a:t>
             </a:fld>
             <a:endParaRPr lang="en-US" dirty="0"/>
           </a:p>
@@ -4261,7 +4713,7 @@
           <a:p>
             <a:fld id="{42A54C80-263E-416B-A8E0-580EDEADCBDC}" type="datetimeFigureOut">
               <a:rPr lang="en-US" dirty="0"/>
-              <a:t>4/7/2019</a:t>
+              <a:t>4/8/2019</a:t>
             </a:fld>
             <a:endParaRPr lang="en-US" dirty="0"/>
           </a:p>
@@ -4563,7 +5015,7 @@
             <a:fld id="{B61BEF0D-F0BB-DE4B-95CE-6DB70DBA9567}" type="datetimeFigureOut">
               <a:rPr lang="en-US" dirty="0"/>
               <a:pPr/>
-              <a:t>4/7/2019</a:t>
+              <a:t>4/8/2019</a:t>
             </a:fld>
             <a:endParaRPr lang="en-US" dirty="0"/>
           </a:p>
@@ -5261,7 +5713,7 @@
             <a:fld id="{B61BEF0D-F0BB-DE4B-95CE-6DB70DBA9567}" type="datetimeFigureOut">
               <a:rPr lang="en-US" dirty="0"/>
               <a:pPr/>
-              <a:t>4/7/2019</a:t>
+              <a:t>4/8/2019</a:t>
             </a:fld>
             <a:endParaRPr lang="en-US" dirty="0"/>
           </a:p>
@@ -5853,6 +6305,2611 @@
 </p:sld>
 </file>
 
+<file path=ppt/slides/slide10.xml><?xml version="1.0" encoding="utf-8"?>
+<p:sld xmlns:a="http://schemas.openxmlformats.org/drawingml/2006/main" xmlns:r="http://schemas.openxmlformats.org/officeDocument/2006/relationships" xmlns:p="http://schemas.openxmlformats.org/presentationml/2006/main">
+  <p:cSld>
+    <p:spTree>
+      <p:nvGrpSpPr>
+        <p:cNvPr id="1" name=""/>
+        <p:cNvGrpSpPr/>
+        <p:nvPr/>
+      </p:nvGrpSpPr>
+      <p:grpSpPr>
+        <a:xfrm>
+          <a:off x="0" y="0"/>
+          <a:ext cx="0" cy="0"/>
+          <a:chOff x="0" y="0"/>
+          <a:chExt cx="0" cy="0"/>
+        </a:xfrm>
+      </p:grpSpPr>
+      <p:sp>
+        <p:nvSpPr>
+          <p:cNvPr id="2" name="Title 1">
+            <a:extLst>
+              <a:ext uri="{FF2B5EF4-FFF2-40B4-BE49-F238E27FC236}">
+                <a16:creationId xmlns:a16="http://schemas.microsoft.com/office/drawing/2014/main" id="{8AD2F9A5-2138-4B56-B1C8-220CD639F42D}"/>
+              </a:ext>
+            </a:extLst>
+          </p:cNvPr>
+          <p:cNvSpPr>
+            <a:spLocks noGrp="1"/>
+          </p:cNvSpPr>
+          <p:nvPr>
+            <p:ph type="title"/>
+          </p:nvPr>
+        </p:nvSpPr>
+        <p:spPr/>
+        <p:txBody>
+          <a:bodyPr/>
+          <a:lstStyle/>
+          <a:p>
+            <a:r>
+              <a:rPr lang="en-US" dirty="0"/>
+              <a:t>If-Else If Statement</a:t>
+            </a:r>
+          </a:p>
+        </p:txBody>
+      </p:sp>
+      <p:sp>
+        <p:nvSpPr>
+          <p:cNvPr id="3" name="Content Placeholder 2">
+            <a:extLst>
+              <a:ext uri="{FF2B5EF4-FFF2-40B4-BE49-F238E27FC236}">
+                <a16:creationId xmlns:a16="http://schemas.microsoft.com/office/drawing/2014/main" id="{413B85D0-85E0-4DE4-BF86-41548B9E8FC9}"/>
+              </a:ext>
+            </a:extLst>
+          </p:cNvPr>
+          <p:cNvSpPr>
+            <a:spLocks noGrp="1"/>
+          </p:cNvSpPr>
+          <p:nvPr>
+            <p:ph idx="1"/>
+          </p:nvPr>
+        </p:nvSpPr>
+        <p:spPr>
+          <a:xfrm>
+            <a:off x="5293453" y="1930400"/>
+            <a:ext cx="3980549" cy="2621136"/>
+          </a:xfrm>
+        </p:spPr>
+        <p:txBody>
+          <a:bodyPr>
+            <a:normAutofit fontScale="85000" lnSpcReduction="20000"/>
+          </a:bodyPr>
+          <a:lstStyle/>
+          <a:p>
+            <a:pPr>
+              <a:buFont typeface="+mj-lt"/>
+              <a:buAutoNum type="arabicPeriod"/>
+            </a:pPr>
+            <a:r>
+              <a:rPr lang="en-US" dirty="0"/>
+              <a:t>Execute </a:t>
+            </a:r>
+            <a:r>
+              <a:rPr lang="en-US" dirty="0">
+                <a:latin typeface="Consolas" panose="020B0609020204030204" pitchFamily="49" charset="0"/>
+              </a:rPr>
+              <a:t>&lt;statements_1&gt;</a:t>
+            </a:r>
+          </a:p>
+          <a:p>
+            <a:pPr>
+              <a:buFont typeface="+mj-lt"/>
+              <a:buAutoNum type="arabicPeriod"/>
+            </a:pPr>
+            <a:r>
+              <a:rPr lang="en-US" dirty="0"/>
+              <a:t>Check </a:t>
+            </a:r>
+            <a:r>
+              <a:rPr lang="en-US" dirty="0">
+                <a:latin typeface="Consolas" panose="020B0609020204030204" pitchFamily="49" charset="0"/>
+              </a:rPr>
+              <a:t>&lt;boolExpr_1&gt;</a:t>
+            </a:r>
+            <a:r>
+              <a:rPr lang="en-US" dirty="0"/>
+              <a:t>, if true, go to 3, if false, go to 5</a:t>
+            </a:r>
+          </a:p>
+          <a:p>
+            <a:pPr>
+              <a:buFont typeface="+mj-lt"/>
+              <a:buAutoNum type="arabicPeriod"/>
+            </a:pPr>
+            <a:r>
+              <a:rPr lang="en-US" dirty="0"/>
+              <a:t>Execute </a:t>
+            </a:r>
+            <a:r>
+              <a:rPr lang="en-US" dirty="0">
+                <a:latin typeface="Consolas" panose="020B0609020204030204" pitchFamily="49" charset="0"/>
+              </a:rPr>
+              <a:t>&lt;statements_2&gt;</a:t>
+            </a:r>
+          </a:p>
+          <a:p>
+            <a:pPr>
+              <a:buFont typeface="+mj-lt"/>
+              <a:buAutoNum type="arabicPeriod"/>
+            </a:pPr>
+            <a:r>
+              <a:rPr lang="en-US" dirty="0"/>
+              <a:t>Go to 7</a:t>
+            </a:r>
+          </a:p>
+          <a:p>
+            <a:pPr>
+              <a:buFont typeface="+mj-lt"/>
+              <a:buAutoNum type="arabicPeriod"/>
+            </a:pPr>
+            <a:r>
+              <a:rPr lang="en-US" dirty="0"/>
+              <a:t>Check </a:t>
+            </a:r>
+            <a:r>
+              <a:rPr lang="en-US" dirty="0">
+                <a:latin typeface="Consolas" panose="020B0609020204030204" pitchFamily="49" charset="0"/>
+              </a:rPr>
+              <a:t>&lt;boolExpr_2&gt;</a:t>
+            </a:r>
+            <a:r>
+              <a:rPr lang="en-US" dirty="0"/>
+              <a:t>, if true, go to 6, if false, go to 7</a:t>
+            </a:r>
+          </a:p>
+          <a:p>
+            <a:pPr>
+              <a:buFont typeface="+mj-lt"/>
+              <a:buAutoNum type="arabicPeriod"/>
+            </a:pPr>
+            <a:r>
+              <a:rPr lang="en-US" dirty="0"/>
+              <a:t>Execute </a:t>
+            </a:r>
+            <a:r>
+              <a:rPr lang="en-US" dirty="0">
+                <a:latin typeface="Consolas" panose="020B0609020204030204" pitchFamily="49" charset="0"/>
+              </a:rPr>
+              <a:t>&lt;statements_3&gt;</a:t>
+            </a:r>
+          </a:p>
+          <a:p>
+            <a:pPr>
+              <a:buFont typeface="+mj-lt"/>
+              <a:buAutoNum type="arabicPeriod"/>
+            </a:pPr>
+            <a:r>
+              <a:rPr lang="en-US" dirty="0"/>
+              <a:t>Execute </a:t>
+            </a:r>
+            <a:r>
+              <a:rPr lang="en-US" dirty="0">
+                <a:latin typeface="Consolas" panose="020B0609020204030204" pitchFamily="49" charset="0"/>
+              </a:rPr>
+              <a:t>&lt;statements_4&gt;</a:t>
+            </a:r>
+          </a:p>
+        </p:txBody>
+      </p:sp>
+      <p:sp>
+        <p:nvSpPr>
+          <p:cNvPr id="4" name="TextBox 3">
+            <a:extLst>
+              <a:ext uri="{FF2B5EF4-FFF2-40B4-BE49-F238E27FC236}">
+                <a16:creationId xmlns:a16="http://schemas.microsoft.com/office/drawing/2014/main" id="{562EAB45-DDCD-4F1F-9830-A218A7E4A67A}"/>
+              </a:ext>
+            </a:extLst>
+          </p:cNvPr>
+          <p:cNvSpPr txBox="1"/>
+          <p:nvPr/>
+        </p:nvSpPr>
+        <p:spPr>
+          <a:xfrm>
+            <a:off x="677334" y="1930400"/>
+            <a:ext cx="3477234" cy="2031325"/>
+          </a:xfrm>
+          <a:prstGeom prst="rect">
+            <a:avLst/>
+          </a:prstGeom>
+          <a:noFill/>
+        </p:spPr>
+        <p:txBody>
+          <a:bodyPr wrap="none" rtlCol="0">
+            <a:spAutoFit/>
+          </a:bodyPr>
+          <a:lstStyle/>
+          <a:p>
+            <a:r>
+              <a:rPr lang="en-US" dirty="0">
+                <a:solidFill>
+                  <a:srgbClr val="FF9900"/>
+                </a:solidFill>
+                <a:latin typeface="Consolas" panose="020B0609020204030204" pitchFamily="49" charset="0"/>
+              </a:rPr>
+              <a:t>&lt;statements_1&gt;</a:t>
+            </a:r>
+          </a:p>
+          <a:p>
+            <a:r>
+              <a:rPr lang="en-US" dirty="0">
+                <a:solidFill>
+                  <a:srgbClr val="6600CC"/>
+                </a:solidFill>
+                <a:latin typeface="Consolas" panose="020B0609020204030204" pitchFamily="49" charset="0"/>
+              </a:rPr>
+              <a:t>if</a:t>
+            </a:r>
+            <a:r>
+              <a:rPr lang="en-US" dirty="0">
+                <a:latin typeface="Consolas" panose="020B0609020204030204" pitchFamily="49" charset="0"/>
+              </a:rPr>
+              <a:t>(</a:t>
+            </a:r>
+            <a:r>
+              <a:rPr lang="en-US" dirty="0">
+                <a:solidFill>
+                  <a:srgbClr val="FF9900"/>
+                </a:solidFill>
+                <a:latin typeface="Consolas" panose="020B0609020204030204" pitchFamily="49" charset="0"/>
+              </a:rPr>
+              <a:t>&lt;boolExpr_1&gt;</a:t>
+            </a:r>
+            <a:r>
+              <a:rPr lang="en-US" dirty="0">
+                <a:latin typeface="Consolas" panose="020B0609020204030204" pitchFamily="49" charset="0"/>
+              </a:rPr>
+              <a:t>) {</a:t>
+            </a:r>
+          </a:p>
+          <a:p>
+            <a:r>
+              <a:rPr lang="en-US" dirty="0">
+                <a:latin typeface="Consolas" panose="020B0609020204030204" pitchFamily="49" charset="0"/>
+              </a:rPr>
+              <a:t>	</a:t>
+            </a:r>
+            <a:r>
+              <a:rPr lang="en-US" dirty="0">
+                <a:solidFill>
+                  <a:srgbClr val="FF9900"/>
+                </a:solidFill>
+                <a:latin typeface="Consolas" panose="020B0609020204030204" pitchFamily="49" charset="0"/>
+              </a:rPr>
+              <a:t>&lt;statements_2&gt;</a:t>
+            </a:r>
+          </a:p>
+          <a:p>
+            <a:r>
+              <a:rPr lang="en-US" dirty="0">
+                <a:latin typeface="Consolas" panose="020B0609020204030204" pitchFamily="49" charset="0"/>
+              </a:rPr>
+              <a:t>} </a:t>
+            </a:r>
+            <a:r>
+              <a:rPr lang="en-US" dirty="0">
+                <a:solidFill>
+                  <a:srgbClr val="6600CC"/>
+                </a:solidFill>
+                <a:latin typeface="Consolas" panose="020B0609020204030204" pitchFamily="49" charset="0"/>
+              </a:rPr>
+              <a:t>else if </a:t>
+            </a:r>
+            <a:r>
+              <a:rPr lang="en-US" dirty="0">
+                <a:latin typeface="Consolas" panose="020B0609020204030204" pitchFamily="49" charset="0"/>
+              </a:rPr>
+              <a:t>(</a:t>
+            </a:r>
+            <a:r>
+              <a:rPr lang="en-US" dirty="0">
+                <a:solidFill>
+                  <a:srgbClr val="FF9900"/>
+                </a:solidFill>
+                <a:latin typeface="Consolas" panose="020B0609020204030204" pitchFamily="49" charset="0"/>
+              </a:rPr>
+              <a:t>&lt;boolExpr_2&gt;</a:t>
+            </a:r>
+            <a:r>
+              <a:rPr lang="en-US" dirty="0">
+                <a:latin typeface="Consolas" panose="020B0609020204030204" pitchFamily="49" charset="0"/>
+              </a:rPr>
+              <a:t>) {</a:t>
+            </a:r>
+          </a:p>
+          <a:p>
+            <a:r>
+              <a:rPr lang="en-US" dirty="0">
+                <a:latin typeface="Consolas" panose="020B0609020204030204" pitchFamily="49" charset="0"/>
+              </a:rPr>
+              <a:t>	</a:t>
+            </a:r>
+            <a:r>
+              <a:rPr lang="en-US" dirty="0">
+                <a:solidFill>
+                  <a:srgbClr val="FF9900"/>
+                </a:solidFill>
+                <a:latin typeface="Consolas" panose="020B0609020204030204" pitchFamily="49" charset="0"/>
+              </a:rPr>
+              <a:t>&lt;statements_3&gt;</a:t>
+            </a:r>
+          </a:p>
+          <a:p>
+            <a:r>
+              <a:rPr lang="en-US" dirty="0">
+                <a:latin typeface="Consolas" panose="020B0609020204030204" pitchFamily="49" charset="0"/>
+              </a:rPr>
+              <a:t>}</a:t>
+            </a:r>
+          </a:p>
+          <a:p>
+            <a:r>
+              <a:rPr lang="en-US" dirty="0">
+                <a:solidFill>
+                  <a:srgbClr val="FF9900"/>
+                </a:solidFill>
+                <a:latin typeface="Consolas" panose="020B0609020204030204" pitchFamily="49" charset="0"/>
+              </a:rPr>
+              <a:t>&lt;statements_4&gt;</a:t>
+            </a:r>
+            <a:endParaRPr lang="en-US" dirty="0">
+              <a:solidFill>
+                <a:srgbClr val="FF9900"/>
+              </a:solidFill>
+            </a:endParaRPr>
+          </a:p>
+        </p:txBody>
+      </p:sp>
+      <p:sp>
+        <p:nvSpPr>
+          <p:cNvPr id="5" name="TextBox 4">
+            <a:extLst>
+              <a:ext uri="{FF2B5EF4-FFF2-40B4-BE49-F238E27FC236}">
+                <a16:creationId xmlns:a16="http://schemas.microsoft.com/office/drawing/2014/main" id="{4E8BDB0B-C3B8-4ECF-B807-B0BEF516B1D5}"/>
+              </a:ext>
+            </a:extLst>
+          </p:cNvPr>
+          <p:cNvSpPr txBox="1"/>
+          <p:nvPr/>
+        </p:nvSpPr>
+        <p:spPr>
+          <a:xfrm>
+            <a:off x="677334" y="5282525"/>
+            <a:ext cx="8339591" cy="369332"/>
+          </a:xfrm>
+          <a:prstGeom prst="rect">
+            <a:avLst/>
+          </a:prstGeom>
+          <a:noFill/>
+        </p:spPr>
+        <p:txBody>
+          <a:bodyPr wrap="none" rtlCol="0">
+            <a:spAutoFit/>
+          </a:bodyPr>
+          <a:lstStyle/>
+          <a:p>
+            <a:r>
+              <a:rPr lang="en-US" b="1" dirty="0"/>
+              <a:t>Note:</a:t>
+            </a:r>
+            <a:r>
+              <a:rPr lang="en-US" dirty="0"/>
+              <a:t> You can have as many else if blocks after an if statement as you want.</a:t>
+            </a:r>
+            <a:endParaRPr lang="en-US" b="1" dirty="0"/>
+          </a:p>
+        </p:txBody>
+      </p:sp>
+    </p:spTree>
+    <p:extLst>
+      <p:ext uri="{BB962C8B-B14F-4D97-AF65-F5344CB8AC3E}">
+        <p14:creationId xmlns:p14="http://schemas.microsoft.com/office/powerpoint/2010/main" val="265744970"/>
+      </p:ext>
+    </p:extLst>
+  </p:cSld>
+  <p:clrMapOvr>
+    <a:masterClrMapping/>
+  </p:clrMapOvr>
+</p:sld>
+</file>
+
+<file path=ppt/slides/slide11.xml><?xml version="1.0" encoding="utf-8"?>
+<p:sld xmlns:a="http://schemas.openxmlformats.org/drawingml/2006/main" xmlns:r="http://schemas.openxmlformats.org/officeDocument/2006/relationships" xmlns:p="http://schemas.openxmlformats.org/presentationml/2006/main">
+  <p:cSld>
+    <p:spTree>
+      <p:nvGrpSpPr>
+        <p:cNvPr id="1" name=""/>
+        <p:cNvGrpSpPr/>
+        <p:nvPr/>
+      </p:nvGrpSpPr>
+      <p:grpSpPr>
+        <a:xfrm>
+          <a:off x="0" y="0"/>
+          <a:ext cx="0" cy="0"/>
+          <a:chOff x="0" y="0"/>
+          <a:chExt cx="0" cy="0"/>
+        </a:xfrm>
+      </p:grpSpPr>
+      <p:sp>
+        <p:nvSpPr>
+          <p:cNvPr id="2" name="Title 1">
+            <a:extLst>
+              <a:ext uri="{FF2B5EF4-FFF2-40B4-BE49-F238E27FC236}">
+                <a16:creationId xmlns:a16="http://schemas.microsoft.com/office/drawing/2014/main" id="{00EE571F-08D3-495B-915E-93C40E9F3E72}"/>
+              </a:ext>
+            </a:extLst>
+          </p:cNvPr>
+          <p:cNvSpPr>
+            <a:spLocks noGrp="1"/>
+          </p:cNvSpPr>
+          <p:nvPr>
+            <p:ph type="title"/>
+          </p:nvPr>
+        </p:nvSpPr>
+        <p:spPr/>
+        <p:txBody>
+          <a:bodyPr/>
+          <a:lstStyle/>
+          <a:p>
+            <a:r>
+              <a:rPr lang="en-US" dirty="0"/>
+              <a:t>If-Else </a:t>
+            </a:r>
+            <a:r>
+              <a:rPr lang="en-US" dirty="0" err="1"/>
+              <a:t>If-Else</a:t>
+            </a:r>
+            <a:r>
+              <a:rPr lang="en-US" dirty="0"/>
+              <a:t> Statement</a:t>
+            </a:r>
+          </a:p>
+        </p:txBody>
+      </p:sp>
+      <p:sp>
+        <p:nvSpPr>
+          <p:cNvPr id="3" name="Content Placeholder 2">
+            <a:extLst>
+              <a:ext uri="{FF2B5EF4-FFF2-40B4-BE49-F238E27FC236}">
+                <a16:creationId xmlns:a16="http://schemas.microsoft.com/office/drawing/2014/main" id="{9D7B5584-6B3A-4B58-8740-532078E23675}"/>
+              </a:ext>
+            </a:extLst>
+          </p:cNvPr>
+          <p:cNvSpPr>
+            <a:spLocks noGrp="1"/>
+          </p:cNvSpPr>
+          <p:nvPr>
+            <p:ph idx="1"/>
+          </p:nvPr>
+        </p:nvSpPr>
+        <p:spPr>
+          <a:xfrm>
+            <a:off x="4723002" y="2160588"/>
+            <a:ext cx="4857226" cy="3090919"/>
+          </a:xfrm>
+        </p:spPr>
+        <p:txBody>
+          <a:bodyPr>
+            <a:normAutofit fontScale="77500" lnSpcReduction="20000"/>
+          </a:bodyPr>
+          <a:lstStyle/>
+          <a:p>
+            <a:pPr>
+              <a:buFont typeface="+mj-lt"/>
+              <a:buAutoNum type="arabicPeriod"/>
+            </a:pPr>
+            <a:r>
+              <a:rPr lang="en-US" dirty="0"/>
+              <a:t>Execute </a:t>
+            </a:r>
+            <a:r>
+              <a:rPr lang="en-US" dirty="0">
+                <a:latin typeface="Consolas" panose="020B0609020204030204" pitchFamily="49" charset="0"/>
+              </a:rPr>
+              <a:t>&lt;statements_1&gt;</a:t>
+            </a:r>
+          </a:p>
+          <a:p>
+            <a:pPr>
+              <a:buFont typeface="+mj-lt"/>
+              <a:buAutoNum type="arabicPeriod"/>
+            </a:pPr>
+            <a:r>
+              <a:rPr lang="en-US" dirty="0"/>
+              <a:t>Check </a:t>
+            </a:r>
+            <a:r>
+              <a:rPr lang="en-US" dirty="0">
+                <a:latin typeface="Consolas" panose="020B0609020204030204" pitchFamily="49" charset="0"/>
+              </a:rPr>
+              <a:t>&lt;boolExpr_1&gt;</a:t>
+            </a:r>
+            <a:r>
+              <a:rPr lang="en-US" dirty="0"/>
+              <a:t>, if it is true, go to 3, if it is false, go to 5</a:t>
+            </a:r>
+          </a:p>
+          <a:p>
+            <a:pPr>
+              <a:buFont typeface="+mj-lt"/>
+              <a:buAutoNum type="arabicPeriod"/>
+            </a:pPr>
+            <a:r>
+              <a:rPr lang="en-US" dirty="0"/>
+              <a:t>Execute </a:t>
+            </a:r>
+            <a:r>
+              <a:rPr lang="en-US" dirty="0">
+                <a:latin typeface="Consolas" panose="020B0609020204030204" pitchFamily="49" charset="0"/>
+              </a:rPr>
+              <a:t>&lt;statements_2&gt;</a:t>
+            </a:r>
+          </a:p>
+          <a:p>
+            <a:pPr>
+              <a:buFont typeface="+mj-lt"/>
+              <a:buAutoNum type="arabicPeriod"/>
+            </a:pPr>
+            <a:r>
+              <a:rPr lang="en-US" dirty="0"/>
+              <a:t>Go to 9</a:t>
+            </a:r>
+          </a:p>
+          <a:p>
+            <a:pPr>
+              <a:buFont typeface="+mj-lt"/>
+              <a:buAutoNum type="arabicPeriod"/>
+            </a:pPr>
+            <a:r>
+              <a:rPr lang="en-US" dirty="0"/>
+              <a:t>Check </a:t>
+            </a:r>
+            <a:r>
+              <a:rPr lang="en-US" dirty="0">
+                <a:latin typeface="Consolas" panose="020B0609020204030204" pitchFamily="49" charset="0"/>
+              </a:rPr>
+              <a:t>&lt;boolExpr_2&gt;</a:t>
+            </a:r>
+            <a:r>
+              <a:rPr lang="en-US" dirty="0"/>
+              <a:t>, if it is true, go to 6, if it is false, go to 8</a:t>
+            </a:r>
+          </a:p>
+          <a:p>
+            <a:pPr>
+              <a:buFont typeface="+mj-lt"/>
+              <a:buAutoNum type="arabicPeriod"/>
+            </a:pPr>
+            <a:r>
+              <a:rPr lang="en-US" dirty="0"/>
+              <a:t>Execute </a:t>
+            </a:r>
+            <a:r>
+              <a:rPr lang="en-US" dirty="0">
+                <a:latin typeface="Consolas" panose="020B0609020204030204" pitchFamily="49" charset="0"/>
+              </a:rPr>
+              <a:t>&lt;statements_3&gt;</a:t>
+            </a:r>
+          </a:p>
+          <a:p>
+            <a:pPr>
+              <a:buFont typeface="+mj-lt"/>
+              <a:buAutoNum type="arabicPeriod"/>
+            </a:pPr>
+            <a:r>
+              <a:rPr lang="en-US" dirty="0"/>
+              <a:t>Got to 9</a:t>
+            </a:r>
+          </a:p>
+          <a:p>
+            <a:pPr>
+              <a:buFont typeface="+mj-lt"/>
+              <a:buAutoNum type="arabicPeriod"/>
+            </a:pPr>
+            <a:r>
+              <a:rPr lang="en-US" dirty="0"/>
+              <a:t>Execute </a:t>
+            </a:r>
+            <a:r>
+              <a:rPr lang="en-US" dirty="0">
+                <a:latin typeface="Consolas" panose="020B0609020204030204" pitchFamily="49" charset="0"/>
+              </a:rPr>
+              <a:t>&lt;statements_4&gt;</a:t>
+            </a:r>
+          </a:p>
+          <a:p>
+            <a:pPr>
+              <a:buFont typeface="+mj-lt"/>
+              <a:buAutoNum type="arabicPeriod"/>
+            </a:pPr>
+            <a:r>
+              <a:rPr lang="en-US" dirty="0"/>
+              <a:t>Execute </a:t>
+            </a:r>
+            <a:r>
+              <a:rPr lang="en-US" dirty="0">
+                <a:latin typeface="Consolas" panose="020B0609020204030204" pitchFamily="49" charset="0"/>
+              </a:rPr>
+              <a:t>&lt;statements_5&gt;</a:t>
+            </a:r>
+          </a:p>
+        </p:txBody>
+      </p:sp>
+      <p:sp>
+        <p:nvSpPr>
+          <p:cNvPr id="4" name="TextBox 3">
+            <a:extLst>
+              <a:ext uri="{FF2B5EF4-FFF2-40B4-BE49-F238E27FC236}">
+                <a16:creationId xmlns:a16="http://schemas.microsoft.com/office/drawing/2014/main" id="{6FE35263-54D6-4B26-9CD0-AD76DD411D93}"/>
+              </a:ext>
+            </a:extLst>
+          </p:cNvPr>
+          <p:cNvSpPr txBox="1"/>
+          <p:nvPr/>
+        </p:nvSpPr>
+        <p:spPr>
+          <a:xfrm>
+            <a:off x="677334" y="1930400"/>
+            <a:ext cx="3477234" cy="2585323"/>
+          </a:xfrm>
+          <a:prstGeom prst="rect">
+            <a:avLst/>
+          </a:prstGeom>
+          <a:noFill/>
+        </p:spPr>
+        <p:txBody>
+          <a:bodyPr wrap="none" rtlCol="0">
+            <a:spAutoFit/>
+          </a:bodyPr>
+          <a:lstStyle/>
+          <a:p>
+            <a:r>
+              <a:rPr lang="en-US" dirty="0">
+                <a:solidFill>
+                  <a:srgbClr val="FF9900"/>
+                </a:solidFill>
+                <a:latin typeface="Consolas" panose="020B0609020204030204" pitchFamily="49" charset="0"/>
+              </a:rPr>
+              <a:t>&lt;statements_1&gt;</a:t>
+            </a:r>
+          </a:p>
+          <a:p>
+            <a:r>
+              <a:rPr lang="en-US" dirty="0">
+                <a:solidFill>
+                  <a:srgbClr val="6600CC"/>
+                </a:solidFill>
+                <a:latin typeface="Consolas" panose="020B0609020204030204" pitchFamily="49" charset="0"/>
+              </a:rPr>
+              <a:t>if</a:t>
+            </a:r>
+            <a:r>
+              <a:rPr lang="en-US" dirty="0">
+                <a:latin typeface="Consolas" panose="020B0609020204030204" pitchFamily="49" charset="0"/>
+              </a:rPr>
+              <a:t>(</a:t>
+            </a:r>
+            <a:r>
+              <a:rPr lang="en-US" dirty="0">
+                <a:solidFill>
+                  <a:srgbClr val="FF9900"/>
+                </a:solidFill>
+                <a:latin typeface="Consolas" panose="020B0609020204030204" pitchFamily="49" charset="0"/>
+              </a:rPr>
+              <a:t>&lt;boolExpr_1&gt;</a:t>
+            </a:r>
+            <a:r>
+              <a:rPr lang="en-US" dirty="0">
+                <a:latin typeface="Consolas" panose="020B0609020204030204" pitchFamily="49" charset="0"/>
+              </a:rPr>
+              <a:t>) {</a:t>
+            </a:r>
+          </a:p>
+          <a:p>
+            <a:r>
+              <a:rPr lang="en-US" dirty="0">
+                <a:latin typeface="Consolas" panose="020B0609020204030204" pitchFamily="49" charset="0"/>
+              </a:rPr>
+              <a:t>	</a:t>
+            </a:r>
+            <a:r>
+              <a:rPr lang="en-US" dirty="0">
+                <a:solidFill>
+                  <a:srgbClr val="FF9900"/>
+                </a:solidFill>
+                <a:latin typeface="Consolas" panose="020B0609020204030204" pitchFamily="49" charset="0"/>
+              </a:rPr>
+              <a:t>&lt;statements_2&gt;</a:t>
+            </a:r>
+          </a:p>
+          <a:p>
+            <a:r>
+              <a:rPr lang="en-US" dirty="0">
+                <a:latin typeface="Consolas" panose="020B0609020204030204" pitchFamily="49" charset="0"/>
+              </a:rPr>
+              <a:t>} </a:t>
+            </a:r>
+            <a:r>
+              <a:rPr lang="en-US" dirty="0">
+                <a:solidFill>
+                  <a:srgbClr val="6600CC"/>
+                </a:solidFill>
+                <a:latin typeface="Consolas" panose="020B0609020204030204" pitchFamily="49" charset="0"/>
+              </a:rPr>
+              <a:t>else if</a:t>
+            </a:r>
+            <a:r>
+              <a:rPr lang="en-US" dirty="0">
+                <a:latin typeface="Consolas" panose="020B0609020204030204" pitchFamily="49" charset="0"/>
+              </a:rPr>
+              <a:t> (</a:t>
+            </a:r>
+            <a:r>
+              <a:rPr lang="en-US" dirty="0">
+                <a:solidFill>
+                  <a:srgbClr val="FF9900"/>
+                </a:solidFill>
+                <a:latin typeface="Consolas" panose="020B0609020204030204" pitchFamily="49" charset="0"/>
+              </a:rPr>
+              <a:t>&lt;boolExpr_2&gt;</a:t>
+            </a:r>
+            <a:r>
+              <a:rPr lang="en-US" dirty="0">
+                <a:latin typeface="Consolas" panose="020B0609020204030204" pitchFamily="49" charset="0"/>
+              </a:rPr>
+              <a:t>) {</a:t>
+            </a:r>
+          </a:p>
+          <a:p>
+            <a:r>
+              <a:rPr lang="en-US" dirty="0">
+                <a:latin typeface="Consolas" panose="020B0609020204030204" pitchFamily="49" charset="0"/>
+              </a:rPr>
+              <a:t>	</a:t>
+            </a:r>
+            <a:r>
+              <a:rPr lang="en-US" dirty="0">
+                <a:solidFill>
+                  <a:srgbClr val="FF9900"/>
+                </a:solidFill>
+                <a:latin typeface="Consolas" panose="020B0609020204030204" pitchFamily="49" charset="0"/>
+              </a:rPr>
+              <a:t>&lt;statements_3&gt;</a:t>
+            </a:r>
+          </a:p>
+          <a:p>
+            <a:r>
+              <a:rPr lang="en-US" dirty="0">
+                <a:latin typeface="Consolas" panose="020B0609020204030204" pitchFamily="49" charset="0"/>
+              </a:rPr>
+              <a:t>} </a:t>
+            </a:r>
+            <a:r>
+              <a:rPr lang="en-US" dirty="0">
+                <a:solidFill>
+                  <a:srgbClr val="6600CC"/>
+                </a:solidFill>
+                <a:latin typeface="Consolas" panose="020B0609020204030204" pitchFamily="49" charset="0"/>
+              </a:rPr>
+              <a:t>else</a:t>
+            </a:r>
+            <a:r>
+              <a:rPr lang="en-US" dirty="0">
+                <a:latin typeface="Consolas" panose="020B0609020204030204" pitchFamily="49" charset="0"/>
+              </a:rPr>
+              <a:t> {</a:t>
+            </a:r>
+          </a:p>
+          <a:p>
+            <a:r>
+              <a:rPr lang="en-US" dirty="0">
+                <a:latin typeface="Consolas" panose="020B0609020204030204" pitchFamily="49" charset="0"/>
+              </a:rPr>
+              <a:t>	</a:t>
+            </a:r>
+            <a:r>
+              <a:rPr lang="en-US" dirty="0">
+                <a:solidFill>
+                  <a:srgbClr val="FF9900"/>
+                </a:solidFill>
+                <a:latin typeface="Consolas" panose="020B0609020204030204" pitchFamily="49" charset="0"/>
+              </a:rPr>
+              <a:t>&lt;statements_4&gt;</a:t>
+            </a:r>
+          </a:p>
+          <a:p>
+            <a:r>
+              <a:rPr lang="en-US" dirty="0">
+                <a:latin typeface="Consolas" panose="020B0609020204030204" pitchFamily="49" charset="0"/>
+              </a:rPr>
+              <a:t>}</a:t>
+            </a:r>
+          </a:p>
+          <a:p>
+            <a:r>
+              <a:rPr lang="en-US" dirty="0">
+                <a:solidFill>
+                  <a:srgbClr val="FF9900"/>
+                </a:solidFill>
+                <a:latin typeface="Consolas" panose="020B0609020204030204" pitchFamily="49" charset="0"/>
+              </a:rPr>
+              <a:t>&lt;statements_5&gt;</a:t>
+            </a:r>
+          </a:p>
+        </p:txBody>
+      </p:sp>
+      <p:sp>
+        <p:nvSpPr>
+          <p:cNvPr id="5" name="TextBox 4">
+            <a:extLst>
+              <a:ext uri="{FF2B5EF4-FFF2-40B4-BE49-F238E27FC236}">
+                <a16:creationId xmlns:a16="http://schemas.microsoft.com/office/drawing/2014/main" id="{D7C0B825-3012-4EBB-B0D9-57B0700E5702}"/>
+              </a:ext>
+            </a:extLst>
+          </p:cNvPr>
+          <p:cNvSpPr txBox="1"/>
+          <p:nvPr/>
+        </p:nvSpPr>
+        <p:spPr>
+          <a:xfrm>
+            <a:off x="677334" y="5251507"/>
+            <a:ext cx="8435103" cy="646331"/>
+          </a:xfrm>
+          <a:prstGeom prst="rect">
+            <a:avLst/>
+          </a:prstGeom>
+          <a:noFill/>
+        </p:spPr>
+        <p:txBody>
+          <a:bodyPr wrap="square" rtlCol="0">
+            <a:spAutoFit/>
+          </a:bodyPr>
+          <a:lstStyle/>
+          <a:p>
+            <a:r>
+              <a:rPr lang="en-US" b="1" dirty="0"/>
+              <a:t>Note</a:t>
+            </a:r>
+            <a:r>
+              <a:rPr lang="en-US" dirty="0"/>
+              <a:t>: You can have as many else if blocks between the if and the else, but only one else is allowed.</a:t>
+            </a:r>
+          </a:p>
+        </p:txBody>
+      </p:sp>
+    </p:spTree>
+    <p:extLst>
+      <p:ext uri="{BB962C8B-B14F-4D97-AF65-F5344CB8AC3E}">
+        <p14:creationId xmlns:p14="http://schemas.microsoft.com/office/powerpoint/2010/main" val="4127977555"/>
+      </p:ext>
+    </p:extLst>
+  </p:cSld>
+  <p:clrMapOvr>
+    <a:masterClrMapping/>
+  </p:clrMapOvr>
+</p:sld>
+</file>
+
+<file path=ppt/slides/slide12.xml><?xml version="1.0" encoding="utf-8"?>
+<p:sld xmlns:a="http://schemas.openxmlformats.org/drawingml/2006/main" xmlns:r="http://schemas.openxmlformats.org/officeDocument/2006/relationships" xmlns:p="http://schemas.openxmlformats.org/presentationml/2006/main">
+  <p:cSld>
+    <p:bg>
+      <p:bgPr>
+        <a:solidFill>
+          <a:schemeClr val="bg1"/>
+        </a:solidFill>
+        <a:effectLst/>
+      </p:bgPr>
+    </p:bg>
+    <p:spTree>
+      <p:nvGrpSpPr>
+        <p:cNvPr id="1" name=""/>
+        <p:cNvGrpSpPr/>
+        <p:nvPr/>
+      </p:nvGrpSpPr>
+      <p:grpSpPr>
+        <a:xfrm>
+          <a:off x="0" y="0"/>
+          <a:ext cx="0" cy="0"/>
+          <a:chOff x="0" y="0"/>
+          <a:chExt cx="0" cy="0"/>
+        </a:xfrm>
+      </p:grpSpPr>
+      <p:sp>
+        <p:nvSpPr>
+          <p:cNvPr id="2" name="Title 1">
+            <a:extLst>
+              <a:ext uri="{FF2B5EF4-FFF2-40B4-BE49-F238E27FC236}">
+                <a16:creationId xmlns:a16="http://schemas.microsoft.com/office/drawing/2014/main" id="{AA81BBED-C5C3-445F-829D-064B178A9CEC}"/>
+              </a:ext>
+            </a:extLst>
+          </p:cNvPr>
+          <p:cNvSpPr>
+            <a:spLocks noGrp="1"/>
+          </p:cNvSpPr>
+          <p:nvPr>
+            <p:ph type="title"/>
+          </p:nvPr>
+        </p:nvSpPr>
+        <p:spPr>
+          <a:xfrm>
+            <a:off x="677334" y="609600"/>
+            <a:ext cx="8596668" cy="1320800"/>
+          </a:xfrm>
+        </p:spPr>
+        <p:txBody>
+          <a:bodyPr anchor="t">
+            <a:normAutofit/>
+          </a:bodyPr>
+          <a:lstStyle/>
+          <a:p>
+            <a:r>
+              <a:rPr lang="en-US" dirty="0"/>
+              <a:t>Loops</a:t>
+            </a:r>
+          </a:p>
+        </p:txBody>
+      </p:sp>
+      <p:pic>
+        <p:nvPicPr>
+          <p:cNvPr id="5" name="Picture 4" descr="A close up of a sign&#10;&#10;Description automatically generated">
+            <a:extLst>
+              <a:ext uri="{FF2B5EF4-FFF2-40B4-BE49-F238E27FC236}">
+                <a16:creationId xmlns:a16="http://schemas.microsoft.com/office/drawing/2014/main" id="{ABD5ECE6-7666-46B0-8A47-A066B918D61C}"/>
+              </a:ext>
+            </a:extLst>
+          </p:cNvPr>
+          <p:cNvPicPr>
+            <a:picLocks noChangeAspect="1"/>
+          </p:cNvPicPr>
+          <p:nvPr/>
+        </p:nvPicPr>
+        <p:blipFill>
+          <a:blip r:embed="rId2"/>
+          <a:stretch>
+            <a:fillRect/>
+          </a:stretch>
+        </p:blipFill>
+        <p:spPr>
+          <a:xfrm>
+            <a:off x="817474" y="2159331"/>
+            <a:ext cx="2915973" cy="2997824"/>
+          </a:xfrm>
+          <a:prstGeom prst="rect">
+            <a:avLst/>
+          </a:prstGeom>
+        </p:spPr>
+      </p:pic>
+      <p:sp>
+        <p:nvSpPr>
+          <p:cNvPr id="3" name="Content Placeholder 2">
+            <a:extLst>
+              <a:ext uri="{FF2B5EF4-FFF2-40B4-BE49-F238E27FC236}">
+                <a16:creationId xmlns:a16="http://schemas.microsoft.com/office/drawing/2014/main" id="{DC298AEE-F4D5-46E5-A545-758B5F928FE2}"/>
+              </a:ext>
+            </a:extLst>
+          </p:cNvPr>
+          <p:cNvSpPr>
+            <a:spLocks noGrp="1"/>
+          </p:cNvSpPr>
+          <p:nvPr>
+            <p:ph idx="1"/>
+          </p:nvPr>
+        </p:nvSpPr>
+        <p:spPr>
+          <a:xfrm>
+            <a:off x="4063160" y="2160589"/>
+            <a:ext cx="5207839" cy="3880773"/>
+          </a:xfrm>
+        </p:spPr>
+        <p:txBody>
+          <a:bodyPr>
+            <a:normAutofit/>
+          </a:bodyPr>
+          <a:lstStyle/>
+          <a:p>
+            <a:r>
+              <a:rPr lang="en-US" dirty="0"/>
+              <a:t>Computers are very good at executing the same task over and over again. </a:t>
+            </a:r>
+          </a:p>
+          <a:p>
+            <a:r>
+              <a:rPr lang="en-US" dirty="0"/>
+              <a:t>They can even perform the same task millions of times, with only a slight variation between each </a:t>
+            </a:r>
+            <a:r>
+              <a:rPr lang="en-US" b="1" u="sng" dirty="0"/>
+              <a:t>iteration</a:t>
+            </a:r>
+            <a:r>
+              <a:rPr lang="en-US" dirty="0"/>
+              <a:t>.</a:t>
+            </a:r>
+          </a:p>
+          <a:p>
+            <a:r>
+              <a:rPr lang="en-US" dirty="0"/>
+              <a:t>Programmers accomplish this using a </a:t>
+            </a:r>
+            <a:r>
+              <a:rPr lang="en-US" b="1" u="sng" dirty="0"/>
+              <a:t>loop</a:t>
+            </a:r>
+            <a:r>
+              <a:rPr lang="en-US" dirty="0"/>
+              <a:t>, which is a block of code that will be repeated, rather than writing the same code millions of times.</a:t>
+            </a:r>
+          </a:p>
+          <a:p>
+            <a:r>
+              <a:rPr lang="en-US" dirty="0"/>
+              <a:t>There are several types of loops, today we will be looking at the while loop and the for loop.</a:t>
+            </a:r>
+          </a:p>
+        </p:txBody>
+      </p:sp>
+    </p:spTree>
+    <p:extLst>
+      <p:ext uri="{BB962C8B-B14F-4D97-AF65-F5344CB8AC3E}">
+        <p14:creationId xmlns:p14="http://schemas.microsoft.com/office/powerpoint/2010/main" val="4221100152"/>
+      </p:ext>
+    </p:extLst>
+  </p:cSld>
+  <p:clrMapOvr>
+    <a:masterClrMapping/>
+  </p:clrMapOvr>
+</p:sld>
+</file>
+
+<file path=ppt/slides/slide13.xml><?xml version="1.0" encoding="utf-8"?>
+<p:sld xmlns:a="http://schemas.openxmlformats.org/drawingml/2006/main" xmlns:r="http://schemas.openxmlformats.org/officeDocument/2006/relationships" xmlns:p="http://schemas.openxmlformats.org/presentationml/2006/main">
+  <p:cSld>
+    <p:spTree>
+      <p:nvGrpSpPr>
+        <p:cNvPr id="1" name=""/>
+        <p:cNvGrpSpPr/>
+        <p:nvPr/>
+      </p:nvGrpSpPr>
+      <p:grpSpPr>
+        <a:xfrm>
+          <a:off x="0" y="0"/>
+          <a:ext cx="0" cy="0"/>
+          <a:chOff x="0" y="0"/>
+          <a:chExt cx="0" cy="0"/>
+        </a:xfrm>
+      </p:grpSpPr>
+      <p:sp>
+        <p:nvSpPr>
+          <p:cNvPr id="2" name="Title 1">
+            <a:extLst>
+              <a:ext uri="{FF2B5EF4-FFF2-40B4-BE49-F238E27FC236}">
+                <a16:creationId xmlns:a16="http://schemas.microsoft.com/office/drawing/2014/main" id="{3FCFF3E6-0B8F-4F83-B30D-E1015315FB0A}"/>
+              </a:ext>
+            </a:extLst>
+          </p:cNvPr>
+          <p:cNvSpPr>
+            <a:spLocks noGrp="1"/>
+          </p:cNvSpPr>
+          <p:nvPr>
+            <p:ph type="title"/>
+          </p:nvPr>
+        </p:nvSpPr>
+        <p:spPr/>
+        <p:txBody>
+          <a:bodyPr/>
+          <a:lstStyle/>
+          <a:p>
+            <a:r>
+              <a:rPr lang="en-US" dirty="0"/>
+              <a:t>While Loop</a:t>
+            </a:r>
+          </a:p>
+        </p:txBody>
+      </p:sp>
+      <p:sp>
+        <p:nvSpPr>
+          <p:cNvPr id="3" name="Content Placeholder 2">
+            <a:extLst>
+              <a:ext uri="{FF2B5EF4-FFF2-40B4-BE49-F238E27FC236}">
+                <a16:creationId xmlns:a16="http://schemas.microsoft.com/office/drawing/2014/main" id="{80881BA9-66C6-493A-B45E-BF44C80B383F}"/>
+              </a:ext>
+            </a:extLst>
+          </p:cNvPr>
+          <p:cNvSpPr>
+            <a:spLocks noGrp="1"/>
+          </p:cNvSpPr>
+          <p:nvPr>
+            <p:ph idx="1"/>
+          </p:nvPr>
+        </p:nvSpPr>
+        <p:spPr>
+          <a:xfrm>
+            <a:off x="5010538" y="2160590"/>
+            <a:ext cx="4926564" cy="2616684"/>
+          </a:xfrm>
+        </p:spPr>
+        <p:txBody>
+          <a:bodyPr/>
+          <a:lstStyle/>
+          <a:p>
+            <a:pPr>
+              <a:buFont typeface="+mj-lt"/>
+              <a:buAutoNum type="arabicPeriod"/>
+            </a:pPr>
+            <a:r>
+              <a:rPr lang="en-US" dirty="0"/>
+              <a:t>Execute </a:t>
+            </a:r>
+            <a:r>
+              <a:rPr lang="en-US" dirty="0">
+                <a:latin typeface="Consolas" panose="020B0609020204030204" pitchFamily="49" charset="0"/>
+              </a:rPr>
+              <a:t>&lt;statements_1&gt;</a:t>
+            </a:r>
+          </a:p>
+          <a:p>
+            <a:pPr>
+              <a:buFont typeface="+mj-lt"/>
+              <a:buAutoNum type="arabicPeriod"/>
+            </a:pPr>
+            <a:r>
+              <a:rPr lang="en-US" dirty="0"/>
+              <a:t>Check </a:t>
+            </a:r>
+            <a:r>
+              <a:rPr lang="en-US" dirty="0">
+                <a:latin typeface="Consolas" panose="020B0609020204030204" pitchFamily="49" charset="0"/>
+              </a:rPr>
+              <a:t>&lt;</a:t>
+            </a:r>
+            <a:r>
+              <a:rPr lang="en-US" dirty="0" err="1">
+                <a:latin typeface="Consolas" panose="020B0609020204030204" pitchFamily="49" charset="0"/>
+              </a:rPr>
+              <a:t>boolExpr</a:t>
+            </a:r>
+            <a:r>
+              <a:rPr lang="en-US" dirty="0">
+                <a:latin typeface="Consolas" panose="020B0609020204030204" pitchFamily="49" charset="0"/>
+              </a:rPr>
+              <a:t>&gt;</a:t>
+            </a:r>
+            <a:r>
+              <a:rPr lang="en-US" dirty="0"/>
+              <a:t>, if it is true, go to 3, if it is false, go to 5.</a:t>
+            </a:r>
+          </a:p>
+          <a:p>
+            <a:pPr>
+              <a:buFont typeface="+mj-lt"/>
+              <a:buAutoNum type="arabicPeriod"/>
+            </a:pPr>
+            <a:r>
+              <a:rPr lang="en-US" dirty="0"/>
+              <a:t>Execute </a:t>
+            </a:r>
+            <a:r>
+              <a:rPr lang="en-US" dirty="0">
+                <a:latin typeface="Consolas" panose="020B0609020204030204" pitchFamily="49" charset="0"/>
+              </a:rPr>
+              <a:t>&lt;statements_2&gt;</a:t>
+            </a:r>
+          </a:p>
+          <a:p>
+            <a:pPr>
+              <a:buFont typeface="+mj-lt"/>
+              <a:buAutoNum type="arabicPeriod"/>
+            </a:pPr>
+            <a:r>
+              <a:rPr lang="en-US" dirty="0"/>
+              <a:t>Go to 2</a:t>
+            </a:r>
+          </a:p>
+          <a:p>
+            <a:pPr>
+              <a:buFont typeface="+mj-lt"/>
+              <a:buAutoNum type="arabicPeriod"/>
+            </a:pPr>
+            <a:r>
+              <a:rPr lang="en-US" dirty="0"/>
+              <a:t>Execute </a:t>
+            </a:r>
+            <a:r>
+              <a:rPr lang="en-US" dirty="0">
+                <a:latin typeface="Consolas" panose="020B0609020204030204" pitchFamily="49" charset="0"/>
+              </a:rPr>
+              <a:t>&lt;statements_3&gt;</a:t>
+            </a:r>
+          </a:p>
+        </p:txBody>
+      </p:sp>
+      <p:sp>
+        <p:nvSpPr>
+          <p:cNvPr id="4" name="TextBox 3">
+            <a:extLst>
+              <a:ext uri="{FF2B5EF4-FFF2-40B4-BE49-F238E27FC236}">
+                <a16:creationId xmlns:a16="http://schemas.microsoft.com/office/drawing/2014/main" id="{E288303D-8779-4518-A283-AC0E4797012C}"/>
+              </a:ext>
+            </a:extLst>
+          </p:cNvPr>
+          <p:cNvSpPr txBox="1"/>
+          <p:nvPr/>
+        </p:nvSpPr>
+        <p:spPr>
+          <a:xfrm>
+            <a:off x="867747" y="2160589"/>
+            <a:ext cx="2717411" cy="1477328"/>
+          </a:xfrm>
+          <a:prstGeom prst="rect">
+            <a:avLst/>
+          </a:prstGeom>
+          <a:noFill/>
+        </p:spPr>
+        <p:txBody>
+          <a:bodyPr wrap="none" rtlCol="0">
+            <a:spAutoFit/>
+          </a:bodyPr>
+          <a:lstStyle/>
+          <a:p>
+            <a:r>
+              <a:rPr lang="en-US" dirty="0">
+                <a:solidFill>
+                  <a:srgbClr val="FF9900"/>
+                </a:solidFill>
+                <a:latin typeface="Consolas" panose="020B0609020204030204" pitchFamily="49" charset="0"/>
+              </a:rPr>
+              <a:t>&lt;statements_1&gt;</a:t>
+            </a:r>
+          </a:p>
+          <a:p>
+            <a:r>
+              <a:rPr lang="en-US" dirty="0">
+                <a:solidFill>
+                  <a:srgbClr val="6600CC"/>
+                </a:solidFill>
+                <a:latin typeface="Consolas" panose="020B0609020204030204" pitchFamily="49" charset="0"/>
+              </a:rPr>
+              <a:t>while</a:t>
+            </a:r>
+            <a:r>
+              <a:rPr lang="en-US" dirty="0">
+                <a:latin typeface="Consolas" panose="020B0609020204030204" pitchFamily="49" charset="0"/>
+              </a:rPr>
+              <a:t> (</a:t>
+            </a:r>
+            <a:r>
+              <a:rPr lang="en-US" dirty="0">
+                <a:solidFill>
+                  <a:srgbClr val="FF9900"/>
+                </a:solidFill>
+                <a:latin typeface="Consolas" panose="020B0609020204030204" pitchFamily="49" charset="0"/>
+              </a:rPr>
+              <a:t>&lt;</a:t>
+            </a:r>
+            <a:r>
+              <a:rPr lang="en-US" dirty="0" err="1">
+                <a:solidFill>
+                  <a:srgbClr val="FF9900"/>
+                </a:solidFill>
+                <a:latin typeface="Consolas" panose="020B0609020204030204" pitchFamily="49" charset="0"/>
+              </a:rPr>
+              <a:t>boolExpr</a:t>
+            </a:r>
+            <a:r>
+              <a:rPr lang="en-US" dirty="0">
+                <a:solidFill>
+                  <a:srgbClr val="FF9900"/>
+                </a:solidFill>
+                <a:latin typeface="Consolas" panose="020B0609020204030204" pitchFamily="49" charset="0"/>
+              </a:rPr>
+              <a:t>&gt;</a:t>
+            </a:r>
+            <a:r>
+              <a:rPr lang="en-US" dirty="0">
+                <a:latin typeface="Consolas" panose="020B0609020204030204" pitchFamily="49" charset="0"/>
+              </a:rPr>
+              <a:t>) {</a:t>
+            </a:r>
+          </a:p>
+          <a:p>
+            <a:r>
+              <a:rPr lang="en-US" dirty="0">
+                <a:latin typeface="Consolas" panose="020B0609020204030204" pitchFamily="49" charset="0"/>
+              </a:rPr>
+              <a:t>	</a:t>
+            </a:r>
+            <a:r>
+              <a:rPr lang="en-US" dirty="0">
+                <a:solidFill>
+                  <a:srgbClr val="FF9900"/>
+                </a:solidFill>
+                <a:latin typeface="Consolas" panose="020B0609020204030204" pitchFamily="49" charset="0"/>
+              </a:rPr>
+              <a:t>&lt;statements_2&gt;</a:t>
+            </a:r>
+          </a:p>
+          <a:p>
+            <a:r>
+              <a:rPr lang="en-US" dirty="0">
+                <a:latin typeface="Consolas" panose="020B0609020204030204" pitchFamily="49" charset="0"/>
+              </a:rPr>
+              <a:t>}</a:t>
+            </a:r>
+          </a:p>
+          <a:p>
+            <a:r>
+              <a:rPr lang="en-US" dirty="0">
+                <a:solidFill>
+                  <a:srgbClr val="FF9900"/>
+                </a:solidFill>
+                <a:latin typeface="Consolas" panose="020B0609020204030204" pitchFamily="49" charset="0"/>
+              </a:rPr>
+              <a:t>&lt;statements_3&gt;</a:t>
+            </a:r>
+          </a:p>
+        </p:txBody>
+      </p:sp>
+    </p:spTree>
+    <p:extLst>
+      <p:ext uri="{BB962C8B-B14F-4D97-AF65-F5344CB8AC3E}">
+        <p14:creationId xmlns:p14="http://schemas.microsoft.com/office/powerpoint/2010/main" val="1303174902"/>
+      </p:ext>
+    </p:extLst>
+  </p:cSld>
+  <p:clrMapOvr>
+    <a:masterClrMapping/>
+  </p:clrMapOvr>
+</p:sld>
+</file>
+
+<file path=ppt/slides/slide14.xml><?xml version="1.0" encoding="utf-8"?>
+<p:sld xmlns:a="http://schemas.openxmlformats.org/drawingml/2006/main" xmlns:r="http://schemas.openxmlformats.org/officeDocument/2006/relationships" xmlns:p="http://schemas.openxmlformats.org/presentationml/2006/main">
+  <p:cSld>
+    <p:spTree>
+      <p:nvGrpSpPr>
+        <p:cNvPr id="1" name=""/>
+        <p:cNvGrpSpPr/>
+        <p:nvPr/>
+      </p:nvGrpSpPr>
+      <p:grpSpPr>
+        <a:xfrm>
+          <a:off x="0" y="0"/>
+          <a:ext cx="0" cy="0"/>
+          <a:chOff x="0" y="0"/>
+          <a:chExt cx="0" cy="0"/>
+        </a:xfrm>
+      </p:grpSpPr>
+      <p:sp>
+        <p:nvSpPr>
+          <p:cNvPr id="2" name="Title 1">
+            <a:extLst>
+              <a:ext uri="{FF2B5EF4-FFF2-40B4-BE49-F238E27FC236}">
+                <a16:creationId xmlns:a16="http://schemas.microsoft.com/office/drawing/2014/main" id="{449D0FAC-7349-42EA-BF96-2E153C773FA2}"/>
+              </a:ext>
+            </a:extLst>
+          </p:cNvPr>
+          <p:cNvSpPr>
+            <a:spLocks noGrp="1"/>
+          </p:cNvSpPr>
+          <p:nvPr>
+            <p:ph type="title"/>
+          </p:nvPr>
+        </p:nvSpPr>
+        <p:spPr/>
+        <p:txBody>
+          <a:bodyPr/>
+          <a:lstStyle/>
+          <a:p>
+            <a:r>
+              <a:rPr lang="en-US" dirty="0"/>
+              <a:t>For Loop</a:t>
+            </a:r>
+          </a:p>
+        </p:txBody>
+      </p:sp>
+      <p:sp>
+        <p:nvSpPr>
+          <p:cNvPr id="3" name="Content Placeholder 2">
+            <a:extLst>
+              <a:ext uri="{FF2B5EF4-FFF2-40B4-BE49-F238E27FC236}">
+                <a16:creationId xmlns:a16="http://schemas.microsoft.com/office/drawing/2014/main" id="{4E46079B-2509-4886-A0FA-E21FC1C76363}"/>
+              </a:ext>
+            </a:extLst>
+          </p:cNvPr>
+          <p:cNvSpPr>
+            <a:spLocks noGrp="1"/>
+          </p:cNvSpPr>
+          <p:nvPr>
+            <p:ph idx="1"/>
+          </p:nvPr>
+        </p:nvSpPr>
+        <p:spPr>
+          <a:xfrm>
+            <a:off x="677334" y="3407728"/>
+            <a:ext cx="8533778" cy="3880773"/>
+          </a:xfrm>
+        </p:spPr>
+        <p:txBody>
+          <a:bodyPr/>
+          <a:lstStyle/>
+          <a:p>
+            <a:pPr>
+              <a:buFont typeface="+mj-lt"/>
+              <a:buAutoNum type="arabicPeriod"/>
+            </a:pPr>
+            <a:r>
+              <a:rPr lang="en-US" dirty="0"/>
+              <a:t>Execute </a:t>
+            </a:r>
+            <a:r>
+              <a:rPr lang="en-US" dirty="0">
+                <a:latin typeface="Consolas" panose="020B0609020204030204" pitchFamily="49" charset="0"/>
+              </a:rPr>
+              <a:t>&lt;statements_1&gt;</a:t>
+            </a:r>
+          </a:p>
+          <a:p>
+            <a:pPr>
+              <a:buFont typeface="+mj-lt"/>
+              <a:buAutoNum type="arabicPeriod"/>
+            </a:pPr>
+            <a:r>
+              <a:rPr lang="en-US" dirty="0"/>
+              <a:t>Execute </a:t>
+            </a:r>
+            <a:r>
+              <a:rPr lang="en-US" dirty="0">
+                <a:latin typeface="Consolas" panose="020B0609020204030204" pitchFamily="49" charset="0"/>
+              </a:rPr>
+              <a:t>&lt;initializer&gt;</a:t>
+            </a:r>
+          </a:p>
+          <a:p>
+            <a:pPr>
+              <a:buFont typeface="+mj-lt"/>
+              <a:buAutoNum type="arabicPeriod"/>
+            </a:pPr>
+            <a:r>
+              <a:rPr lang="en-US" dirty="0"/>
+              <a:t>Check </a:t>
+            </a:r>
+            <a:r>
+              <a:rPr lang="en-US" dirty="0">
+                <a:latin typeface="Consolas" panose="020B0609020204030204" pitchFamily="49" charset="0"/>
+              </a:rPr>
+              <a:t>&lt;</a:t>
+            </a:r>
+            <a:r>
+              <a:rPr lang="en-US" dirty="0" err="1">
+                <a:latin typeface="Consolas" panose="020B0609020204030204" pitchFamily="49" charset="0"/>
+              </a:rPr>
+              <a:t>boolExpr</a:t>
+            </a:r>
+            <a:r>
+              <a:rPr lang="en-US" dirty="0">
+                <a:latin typeface="Consolas" panose="020B0609020204030204" pitchFamily="49" charset="0"/>
+              </a:rPr>
+              <a:t>&gt;</a:t>
+            </a:r>
+            <a:r>
+              <a:rPr lang="en-US" dirty="0"/>
+              <a:t>, if it is true, go to 4, if it is false, go to 7</a:t>
+            </a:r>
+          </a:p>
+          <a:p>
+            <a:pPr>
+              <a:buFont typeface="+mj-lt"/>
+              <a:buAutoNum type="arabicPeriod"/>
+            </a:pPr>
+            <a:r>
+              <a:rPr lang="en-US" dirty="0"/>
+              <a:t>Execute </a:t>
+            </a:r>
+            <a:r>
+              <a:rPr lang="en-US" dirty="0">
+                <a:latin typeface="Consolas" panose="020B0609020204030204" pitchFamily="49" charset="0"/>
+              </a:rPr>
+              <a:t>&lt;statements_2&gt;</a:t>
+            </a:r>
+          </a:p>
+          <a:p>
+            <a:pPr>
+              <a:buFont typeface="+mj-lt"/>
+              <a:buAutoNum type="arabicPeriod"/>
+            </a:pPr>
+            <a:r>
+              <a:rPr lang="en-US" dirty="0"/>
+              <a:t>Execute </a:t>
+            </a:r>
+            <a:r>
+              <a:rPr lang="en-US" dirty="0">
+                <a:latin typeface="Consolas" panose="020B0609020204030204" pitchFamily="49" charset="0"/>
+              </a:rPr>
+              <a:t>&lt;incrementor&gt;</a:t>
+            </a:r>
+          </a:p>
+          <a:p>
+            <a:pPr>
+              <a:buFont typeface="+mj-lt"/>
+              <a:buAutoNum type="arabicPeriod"/>
+            </a:pPr>
+            <a:r>
+              <a:rPr lang="en-US" dirty="0"/>
+              <a:t>Go to 3</a:t>
+            </a:r>
+          </a:p>
+          <a:p>
+            <a:pPr>
+              <a:buFont typeface="+mj-lt"/>
+              <a:buAutoNum type="arabicPeriod"/>
+            </a:pPr>
+            <a:r>
+              <a:rPr lang="en-US" dirty="0"/>
+              <a:t>Execute </a:t>
+            </a:r>
+            <a:r>
+              <a:rPr lang="en-US" dirty="0">
+                <a:latin typeface="Consolas" panose="020B0609020204030204" pitchFamily="49" charset="0"/>
+              </a:rPr>
+              <a:t>&lt;statements_3&gt;</a:t>
+            </a:r>
+          </a:p>
+        </p:txBody>
+      </p:sp>
+      <p:sp>
+        <p:nvSpPr>
+          <p:cNvPr id="4" name="TextBox 3">
+            <a:extLst>
+              <a:ext uri="{FF2B5EF4-FFF2-40B4-BE49-F238E27FC236}">
+                <a16:creationId xmlns:a16="http://schemas.microsoft.com/office/drawing/2014/main" id="{75D322A3-86BF-4162-AFB9-DDC5323F8F7A}"/>
+              </a:ext>
+            </a:extLst>
+          </p:cNvPr>
+          <p:cNvSpPr txBox="1"/>
+          <p:nvPr/>
+        </p:nvSpPr>
+        <p:spPr>
+          <a:xfrm>
+            <a:off x="677334" y="1930400"/>
+            <a:ext cx="6263253" cy="1477328"/>
+          </a:xfrm>
+          <a:prstGeom prst="rect">
+            <a:avLst/>
+          </a:prstGeom>
+          <a:noFill/>
+        </p:spPr>
+        <p:txBody>
+          <a:bodyPr wrap="none" rtlCol="0">
+            <a:spAutoFit/>
+          </a:bodyPr>
+          <a:lstStyle/>
+          <a:p>
+            <a:r>
+              <a:rPr lang="en-US" dirty="0">
+                <a:solidFill>
+                  <a:srgbClr val="FF9900"/>
+                </a:solidFill>
+                <a:latin typeface="Consolas" panose="020B0609020204030204" pitchFamily="49" charset="0"/>
+              </a:rPr>
+              <a:t>&lt;statements_1&gt;</a:t>
+            </a:r>
+          </a:p>
+          <a:p>
+            <a:r>
+              <a:rPr lang="en-US" dirty="0">
+                <a:solidFill>
+                  <a:srgbClr val="6600CC"/>
+                </a:solidFill>
+                <a:latin typeface="Consolas" panose="020B0609020204030204" pitchFamily="49" charset="0"/>
+              </a:rPr>
+              <a:t>for</a:t>
+            </a:r>
+            <a:r>
+              <a:rPr lang="en-US" dirty="0">
+                <a:latin typeface="Consolas" panose="020B0609020204030204" pitchFamily="49" charset="0"/>
+              </a:rPr>
+              <a:t> (</a:t>
+            </a:r>
+            <a:r>
+              <a:rPr lang="en-US" dirty="0">
+                <a:solidFill>
+                  <a:srgbClr val="FF9900"/>
+                </a:solidFill>
+                <a:latin typeface="Consolas" panose="020B0609020204030204" pitchFamily="49" charset="0"/>
+              </a:rPr>
+              <a:t>&lt;initializer&gt;</a:t>
+            </a:r>
+            <a:r>
+              <a:rPr lang="en-US" dirty="0">
+                <a:latin typeface="Consolas" panose="020B0609020204030204" pitchFamily="49" charset="0"/>
+              </a:rPr>
+              <a:t>; </a:t>
+            </a:r>
+            <a:r>
+              <a:rPr lang="en-US" dirty="0">
+                <a:solidFill>
+                  <a:srgbClr val="FF9900"/>
+                </a:solidFill>
+                <a:latin typeface="Consolas" panose="020B0609020204030204" pitchFamily="49" charset="0"/>
+              </a:rPr>
+              <a:t>&lt;</a:t>
+            </a:r>
+            <a:r>
+              <a:rPr lang="en-US" dirty="0" err="1">
+                <a:solidFill>
+                  <a:srgbClr val="FF9900"/>
+                </a:solidFill>
+                <a:latin typeface="Consolas" panose="020B0609020204030204" pitchFamily="49" charset="0"/>
+              </a:rPr>
+              <a:t>boolExpr</a:t>
+            </a:r>
+            <a:r>
+              <a:rPr lang="en-US" dirty="0">
+                <a:solidFill>
+                  <a:srgbClr val="FF9900"/>
+                </a:solidFill>
+                <a:latin typeface="Consolas" panose="020B0609020204030204" pitchFamily="49" charset="0"/>
+              </a:rPr>
+              <a:t>&gt;</a:t>
+            </a:r>
+            <a:r>
+              <a:rPr lang="en-US" dirty="0">
+                <a:latin typeface="Consolas" panose="020B0609020204030204" pitchFamily="49" charset="0"/>
+              </a:rPr>
+              <a:t>; </a:t>
+            </a:r>
+            <a:r>
+              <a:rPr lang="en-US" dirty="0">
+                <a:solidFill>
+                  <a:srgbClr val="FF9900"/>
+                </a:solidFill>
+                <a:latin typeface="Consolas" panose="020B0609020204030204" pitchFamily="49" charset="0"/>
+              </a:rPr>
+              <a:t>&lt;incrementor&gt;</a:t>
+            </a:r>
+            <a:r>
+              <a:rPr lang="en-US" dirty="0">
+                <a:latin typeface="Consolas" panose="020B0609020204030204" pitchFamily="49" charset="0"/>
+              </a:rPr>
+              <a:t>) {</a:t>
+            </a:r>
+          </a:p>
+          <a:p>
+            <a:r>
+              <a:rPr lang="en-US" dirty="0">
+                <a:latin typeface="Consolas" panose="020B0609020204030204" pitchFamily="49" charset="0"/>
+              </a:rPr>
+              <a:t>	</a:t>
+            </a:r>
+            <a:r>
+              <a:rPr lang="en-US" dirty="0">
+                <a:solidFill>
+                  <a:srgbClr val="FF9900"/>
+                </a:solidFill>
+                <a:latin typeface="Consolas" panose="020B0609020204030204" pitchFamily="49" charset="0"/>
+              </a:rPr>
+              <a:t>&lt;statements_2&gt;</a:t>
+            </a:r>
+          </a:p>
+          <a:p>
+            <a:r>
+              <a:rPr lang="en-US" dirty="0">
+                <a:latin typeface="Consolas" panose="020B0609020204030204" pitchFamily="49" charset="0"/>
+              </a:rPr>
+              <a:t>}</a:t>
+            </a:r>
+          </a:p>
+          <a:p>
+            <a:r>
+              <a:rPr lang="en-US" dirty="0">
+                <a:solidFill>
+                  <a:srgbClr val="FF9900"/>
+                </a:solidFill>
+                <a:latin typeface="Consolas" panose="020B0609020204030204" pitchFamily="49" charset="0"/>
+              </a:rPr>
+              <a:t>&lt;statements_3&gt;</a:t>
+            </a:r>
+          </a:p>
+        </p:txBody>
+      </p:sp>
+    </p:spTree>
+    <p:extLst>
+      <p:ext uri="{BB962C8B-B14F-4D97-AF65-F5344CB8AC3E}">
+        <p14:creationId xmlns:p14="http://schemas.microsoft.com/office/powerpoint/2010/main" val="1399002864"/>
+      </p:ext>
+    </p:extLst>
+  </p:cSld>
+  <p:clrMapOvr>
+    <a:masterClrMapping/>
+  </p:clrMapOvr>
+</p:sld>
+</file>
+
+<file path=ppt/slides/slide15.xml><?xml version="1.0" encoding="utf-8"?>
+<p:sld xmlns:a="http://schemas.openxmlformats.org/drawingml/2006/main" xmlns:r="http://schemas.openxmlformats.org/officeDocument/2006/relationships" xmlns:p="http://schemas.openxmlformats.org/presentationml/2006/main">
+  <p:cSld>
+    <p:bg>
+      <p:bgPr>
+        <a:solidFill>
+          <a:schemeClr val="bg1"/>
+        </a:solidFill>
+        <a:effectLst/>
+      </p:bgPr>
+    </p:bg>
+    <p:spTree>
+      <p:nvGrpSpPr>
+        <p:cNvPr id="1" name=""/>
+        <p:cNvGrpSpPr/>
+        <p:nvPr/>
+      </p:nvGrpSpPr>
+      <p:grpSpPr>
+        <a:xfrm>
+          <a:off x="0" y="0"/>
+          <a:ext cx="0" cy="0"/>
+          <a:chOff x="0" y="0"/>
+          <a:chExt cx="0" cy="0"/>
+        </a:xfrm>
+      </p:grpSpPr>
+      <p:grpSp>
+        <p:nvGrpSpPr>
+          <p:cNvPr id="10" name="Group 9">
+            <a:extLst>
+              <a:ext uri="{FF2B5EF4-FFF2-40B4-BE49-F238E27FC236}">
+                <a16:creationId xmlns:a16="http://schemas.microsoft.com/office/drawing/2014/main" id="{4815A7B4-532E-48C9-AC24-D78ACF3339DB}"/>
+              </a:ext>
+              <a:ext uri="{C183D7F6-B498-43B3-948B-1728B52AA6E4}">
+                <adec:decorative xmlns:adec="http://schemas.microsoft.com/office/drawing/2017/decorative" val="1"/>
+              </a:ext>
+            </a:extLst>
+          </p:cNvPr>
+          <p:cNvGrpSpPr>
+            <a:grpSpLocks noGrp="1" noUngrp="1" noRot="1" noChangeAspect="1" noMove="1" noResize="1"/>
+          </p:cNvGrpSpPr>
+          <p:nvPr>
+            <p:extLst>
+              <p:ext uri="{386F3935-93C4-4BCD-93E2-E3B085C9AB24}">
+                <p16:designElem xmlns:p16="http://schemas.microsoft.com/office/powerpoint/2015/main" val="1"/>
+              </p:ext>
+            </p:extLst>
+          </p:nvPr>
+        </p:nvGrpSpPr>
+        <p:grpSpPr>
+          <a:xfrm>
+            <a:off x="0" y="-8467"/>
+            <a:ext cx="12192000" cy="6866467"/>
+            <a:chOff x="0" y="-8467"/>
+            <a:chExt cx="12192000" cy="6866467"/>
+          </a:xfrm>
+        </p:grpSpPr>
+        <p:sp>
+          <p:nvSpPr>
+            <p:cNvPr id="11" name="Freeform 14">
+              <a:extLst>
+                <a:ext uri="{FF2B5EF4-FFF2-40B4-BE49-F238E27FC236}">
+                  <a16:creationId xmlns:a16="http://schemas.microsoft.com/office/drawing/2014/main" id="{D40109F4-CE5C-45F4-856E-F3F69C9FD4E1}"/>
+                </a:ext>
+                <a:ext uri="{C183D7F6-B498-43B3-948B-1728B52AA6E4}">
+                  <adec:decorative xmlns:adec="http://schemas.microsoft.com/office/drawing/2017/decorative" val="1"/>
+                </a:ext>
+              </a:extLst>
+            </p:cNvPr>
+            <p:cNvSpPr/>
+            <p:nvPr>
+              <p:extLst>
+                <p:ext uri="{386F3935-93C4-4BCD-93E2-E3B085C9AB24}">
+                  <p16:designElem xmlns:p16="http://schemas.microsoft.com/office/powerpoint/2015/main" val="1"/>
+                </p:ext>
+              </p:extLst>
+            </p:nvPr>
+          </p:nvSpPr>
+          <p:spPr>
+            <a:xfrm>
+              <a:off x="0" y="-7862"/>
+              <a:ext cx="863600" cy="5698067"/>
+            </a:xfrm>
+            <a:custGeom>
+              <a:avLst/>
+              <a:gdLst/>
+              <a:ahLst/>
+              <a:cxnLst/>
+              <a:rect l="l" t="t" r="r" b="b"/>
+              <a:pathLst>
+                <a:path w="863600" h="5698067">
+                  <a:moveTo>
+                    <a:pt x="0" y="8467"/>
+                  </a:moveTo>
+                  <a:lnTo>
+                    <a:pt x="863600" y="0"/>
+                  </a:lnTo>
+                  <a:lnTo>
+                    <a:pt x="863600" y="16934"/>
+                  </a:lnTo>
+                  <a:lnTo>
+                    <a:pt x="0" y="5698067"/>
+                  </a:lnTo>
+                  <a:lnTo>
+                    <a:pt x="0" y="8467"/>
+                  </a:lnTo>
+                  <a:close/>
+                </a:path>
+              </a:pathLst>
+            </a:custGeom>
+            <a:solidFill>
+              <a:schemeClr val="accent1">
+                <a:alpha val="70000"/>
+              </a:schemeClr>
+            </a:solidFill>
+            <a:ln>
+              <a:noFill/>
+            </a:ln>
+            <a:effectLst/>
+          </p:spPr>
+          <p:style>
+            <a:lnRef idx="1">
+              <a:schemeClr val="accent1"/>
+            </a:lnRef>
+            <a:fillRef idx="3">
+              <a:schemeClr val="accent1"/>
+            </a:fillRef>
+            <a:effectRef idx="2">
+              <a:schemeClr val="accent1"/>
+            </a:effectRef>
+            <a:fontRef idx="minor">
+              <a:schemeClr val="lt1"/>
+            </a:fontRef>
+          </p:style>
+        </p:sp>
+        <p:cxnSp>
+          <p:nvCxnSpPr>
+            <p:cNvPr id="12" name="Straight Connector 11">
+              <a:extLst>
+                <a:ext uri="{FF2B5EF4-FFF2-40B4-BE49-F238E27FC236}">
+                  <a16:creationId xmlns:a16="http://schemas.microsoft.com/office/drawing/2014/main" id="{3CBAA4DE-3D7B-460B-AE98-D9F9990C0B62}"/>
+                </a:ext>
+                <a:ext uri="{C183D7F6-B498-43B3-948B-1728B52AA6E4}">
+                  <adec:decorative xmlns:adec="http://schemas.microsoft.com/office/drawing/2017/decorative" val="1"/>
+                </a:ext>
+              </a:extLst>
+            </p:cNvPr>
+            <p:cNvCxnSpPr/>
+            <p:nvPr>
+              <p:extLst>
+                <p:ext uri="{386F3935-93C4-4BCD-93E2-E3B085C9AB24}">
+                  <p16:designElem xmlns:p16="http://schemas.microsoft.com/office/powerpoint/2015/main" val="1"/>
+                </p:ext>
+              </p:extLst>
+            </p:nvPr>
+          </p:nvCxnSpPr>
+          <p:spPr>
+            <a:xfrm>
+              <a:off x="9371012" y="0"/>
+              <a:ext cx="1219200" cy="6858000"/>
+            </a:xfrm>
+            <a:prstGeom prst="line">
+              <a:avLst/>
+            </a:prstGeom>
+            <a:ln w="9525">
+              <a:solidFill>
+                <a:schemeClr val="accent1">
+                  <a:alpha val="70000"/>
+                </a:schemeClr>
+              </a:solidFill>
+            </a:ln>
+          </p:spPr>
+          <p:style>
+            <a:lnRef idx="2">
+              <a:schemeClr val="accent1"/>
+            </a:lnRef>
+            <a:fillRef idx="0">
+              <a:schemeClr val="accent1"/>
+            </a:fillRef>
+            <a:effectRef idx="1">
+              <a:schemeClr val="accent1"/>
+            </a:effectRef>
+            <a:fontRef idx="minor">
+              <a:schemeClr val="tx1"/>
+            </a:fontRef>
+          </p:style>
+        </p:cxnSp>
+        <p:cxnSp>
+          <p:nvCxnSpPr>
+            <p:cNvPr id="13" name="Straight Connector 12">
+              <a:extLst>
+                <a:ext uri="{FF2B5EF4-FFF2-40B4-BE49-F238E27FC236}">
+                  <a16:creationId xmlns:a16="http://schemas.microsoft.com/office/drawing/2014/main" id="{7BF1ED3E-4F80-4AF6-A41B-44F53DDE610D}"/>
+                </a:ext>
+                <a:ext uri="{C183D7F6-B498-43B3-948B-1728B52AA6E4}">
+                  <adec:decorative xmlns:adec="http://schemas.microsoft.com/office/drawing/2017/decorative" val="1"/>
+                </a:ext>
+              </a:extLst>
+            </p:cNvPr>
+            <p:cNvCxnSpPr/>
+            <p:nvPr>
+              <p:extLst>
+                <p:ext uri="{386F3935-93C4-4BCD-93E2-E3B085C9AB24}">
+                  <p16:designElem xmlns:p16="http://schemas.microsoft.com/office/powerpoint/2015/main" val="1"/>
+                </p:ext>
+              </p:extLst>
+            </p:nvPr>
+          </p:nvCxnSpPr>
+          <p:spPr>
+            <a:xfrm flipH="1">
+              <a:off x="7425267" y="3681413"/>
+              <a:ext cx="4763558" cy="3176587"/>
+            </a:xfrm>
+            <a:prstGeom prst="line">
+              <a:avLst/>
+            </a:prstGeom>
+            <a:ln w="9525">
+              <a:solidFill>
+                <a:schemeClr val="accent1">
+                  <a:alpha val="70000"/>
+                </a:schemeClr>
+              </a:solidFill>
+            </a:ln>
+          </p:spPr>
+          <p:style>
+            <a:lnRef idx="2">
+              <a:schemeClr val="accent1"/>
+            </a:lnRef>
+            <a:fillRef idx="0">
+              <a:schemeClr val="accent1"/>
+            </a:fillRef>
+            <a:effectRef idx="1">
+              <a:schemeClr val="accent1"/>
+            </a:effectRef>
+            <a:fontRef idx="minor">
+              <a:schemeClr val="tx1"/>
+            </a:fontRef>
+          </p:style>
+        </p:cxnSp>
+        <p:sp>
+          <p:nvSpPr>
+            <p:cNvPr id="14" name="Rectangle 23">
+              <a:extLst>
+                <a:ext uri="{FF2B5EF4-FFF2-40B4-BE49-F238E27FC236}">
+                  <a16:creationId xmlns:a16="http://schemas.microsoft.com/office/drawing/2014/main" id="{C0B2D747-3E31-45C5-9A98-A9710A585FBB}"/>
+                </a:ext>
+                <a:ext uri="{C183D7F6-B498-43B3-948B-1728B52AA6E4}">
+                  <adec:decorative xmlns:adec="http://schemas.microsoft.com/office/drawing/2017/decorative" val="1"/>
+                </a:ext>
+              </a:extLst>
+            </p:cNvPr>
+            <p:cNvSpPr/>
+            <p:nvPr>
+              <p:extLst>
+                <p:ext uri="{386F3935-93C4-4BCD-93E2-E3B085C9AB24}">
+                  <p16:designElem xmlns:p16="http://schemas.microsoft.com/office/powerpoint/2015/main" val="1"/>
+                </p:ext>
+              </p:extLst>
+            </p:nvPr>
+          </p:nvSpPr>
+          <p:spPr>
+            <a:xfrm>
+              <a:off x="9181476" y="-8467"/>
+              <a:ext cx="3007349" cy="6866467"/>
+            </a:xfrm>
+            <a:custGeom>
+              <a:avLst/>
+              <a:gdLst/>
+              <a:ahLst/>
+              <a:cxnLst/>
+              <a:rect l="l" t="t" r="r" b="b"/>
+              <a:pathLst>
+                <a:path w="3007349" h="6866467">
+                  <a:moveTo>
+                    <a:pt x="2045532" y="0"/>
+                  </a:moveTo>
+                  <a:lnTo>
+                    <a:pt x="3007349" y="0"/>
+                  </a:lnTo>
+                  <a:lnTo>
+                    <a:pt x="3007349" y="6866467"/>
+                  </a:lnTo>
+                  <a:lnTo>
+                    <a:pt x="0" y="6866467"/>
+                  </a:lnTo>
+                  <a:lnTo>
+                    <a:pt x="2045532" y="0"/>
+                  </a:lnTo>
+                  <a:close/>
+                </a:path>
+              </a:pathLst>
+            </a:custGeom>
+            <a:solidFill>
+              <a:schemeClr val="accent1">
+                <a:alpha val="36000"/>
+              </a:schemeClr>
+            </a:solidFill>
+            <a:ln>
+              <a:noFill/>
+            </a:ln>
+            <a:effectLst/>
+          </p:spPr>
+          <p:style>
+            <a:lnRef idx="1">
+              <a:schemeClr val="accent1"/>
+            </a:lnRef>
+            <a:fillRef idx="3">
+              <a:schemeClr val="accent1"/>
+            </a:fillRef>
+            <a:effectRef idx="2">
+              <a:schemeClr val="accent1"/>
+            </a:effectRef>
+            <a:fontRef idx="minor">
+              <a:schemeClr val="lt1"/>
+            </a:fontRef>
+          </p:style>
+        </p:sp>
+        <p:sp>
+          <p:nvSpPr>
+            <p:cNvPr id="15" name="Rectangle 25">
+              <a:extLst>
+                <a:ext uri="{FF2B5EF4-FFF2-40B4-BE49-F238E27FC236}">
+                  <a16:creationId xmlns:a16="http://schemas.microsoft.com/office/drawing/2014/main" id="{A15FD4BA-3020-462D-8BE8-B3A65B8E492A}"/>
+                </a:ext>
+                <a:ext uri="{C183D7F6-B498-43B3-948B-1728B52AA6E4}">
+                  <adec:decorative xmlns:adec="http://schemas.microsoft.com/office/drawing/2017/decorative" val="1"/>
+                </a:ext>
+              </a:extLst>
+            </p:cNvPr>
+            <p:cNvSpPr/>
+            <p:nvPr>
+              <p:extLst>
+                <p:ext uri="{386F3935-93C4-4BCD-93E2-E3B085C9AB24}">
+                  <p16:designElem xmlns:p16="http://schemas.microsoft.com/office/powerpoint/2015/main" val="1"/>
+                </p:ext>
+              </p:extLst>
+            </p:nvPr>
+          </p:nvSpPr>
+          <p:spPr>
+            <a:xfrm>
+              <a:off x="9603442" y="-8467"/>
+              <a:ext cx="2588558" cy="6866467"/>
+            </a:xfrm>
+            <a:custGeom>
+              <a:avLst/>
+              <a:gdLst/>
+              <a:ahLst/>
+              <a:cxnLst/>
+              <a:rect l="l" t="t" r="r" b="b"/>
+              <a:pathLst>
+                <a:path w="2573311" h="6866467">
+                  <a:moveTo>
+                    <a:pt x="0" y="0"/>
+                  </a:moveTo>
+                  <a:lnTo>
+                    <a:pt x="2573311" y="0"/>
+                  </a:lnTo>
+                  <a:lnTo>
+                    <a:pt x="2573311" y="6866467"/>
+                  </a:lnTo>
+                  <a:lnTo>
+                    <a:pt x="1202336" y="6866467"/>
+                  </a:lnTo>
+                  <a:lnTo>
+                    <a:pt x="0" y="0"/>
+                  </a:lnTo>
+                  <a:close/>
+                </a:path>
+              </a:pathLst>
+            </a:custGeom>
+            <a:solidFill>
+              <a:schemeClr val="accent1">
+                <a:alpha val="20000"/>
+              </a:schemeClr>
+            </a:solidFill>
+            <a:ln>
+              <a:noFill/>
+            </a:ln>
+            <a:effectLst/>
+          </p:spPr>
+          <p:style>
+            <a:lnRef idx="1">
+              <a:schemeClr val="accent1"/>
+            </a:lnRef>
+            <a:fillRef idx="3">
+              <a:schemeClr val="accent1"/>
+            </a:fillRef>
+            <a:effectRef idx="2">
+              <a:schemeClr val="accent1"/>
+            </a:effectRef>
+            <a:fontRef idx="minor">
+              <a:schemeClr val="lt1"/>
+            </a:fontRef>
+          </p:style>
+        </p:sp>
+        <p:sp>
+          <p:nvSpPr>
+            <p:cNvPr id="16" name="Isosceles Triangle 15">
+              <a:extLst>
+                <a:ext uri="{FF2B5EF4-FFF2-40B4-BE49-F238E27FC236}">
+                  <a16:creationId xmlns:a16="http://schemas.microsoft.com/office/drawing/2014/main" id="{A304284A-7318-4DD5-898C-2F6B23C778FA}"/>
+                </a:ext>
+                <a:ext uri="{C183D7F6-B498-43B3-948B-1728B52AA6E4}">
+                  <adec:decorative xmlns:adec="http://schemas.microsoft.com/office/drawing/2017/decorative" val="1"/>
+                </a:ext>
+              </a:extLst>
+            </p:cNvPr>
+            <p:cNvSpPr/>
+            <p:nvPr>
+              <p:extLst>
+                <p:ext uri="{386F3935-93C4-4BCD-93E2-E3B085C9AB24}">
+                  <p16:designElem xmlns:p16="http://schemas.microsoft.com/office/powerpoint/2015/main" val="1"/>
+                </p:ext>
+              </p:extLst>
+            </p:nvPr>
+          </p:nvSpPr>
+          <p:spPr>
+            <a:xfrm>
+              <a:off x="8932333" y="3048000"/>
+              <a:ext cx="3259667" cy="3810000"/>
+            </a:xfrm>
+            <a:prstGeom prst="triangle">
+              <a:avLst>
+                <a:gd name="adj" fmla="val 100000"/>
+              </a:avLst>
+            </a:prstGeom>
+            <a:solidFill>
+              <a:schemeClr val="accent1">
+                <a:lumMod val="75000"/>
+                <a:alpha val="66000"/>
+              </a:schemeClr>
+            </a:solidFill>
+            <a:ln>
+              <a:noFill/>
+            </a:ln>
+            <a:effectLst/>
+          </p:spPr>
+          <p:style>
+            <a:lnRef idx="1">
+              <a:schemeClr val="accent1"/>
+            </a:lnRef>
+            <a:fillRef idx="3">
+              <a:schemeClr val="accent1"/>
+            </a:fillRef>
+            <a:effectRef idx="2">
+              <a:schemeClr val="accent1"/>
+            </a:effectRef>
+            <a:fontRef idx="minor">
+              <a:schemeClr val="lt1"/>
+            </a:fontRef>
+          </p:style>
+        </p:sp>
+        <p:sp>
+          <p:nvSpPr>
+            <p:cNvPr id="17" name="Rectangle 27">
+              <a:extLst>
+                <a:ext uri="{FF2B5EF4-FFF2-40B4-BE49-F238E27FC236}">
+                  <a16:creationId xmlns:a16="http://schemas.microsoft.com/office/drawing/2014/main" id="{9DF48E66-B635-4509-B115-E0987C014EBC}"/>
+                </a:ext>
+                <a:ext uri="{C183D7F6-B498-43B3-948B-1728B52AA6E4}">
+                  <adec:decorative xmlns:adec="http://schemas.microsoft.com/office/drawing/2017/decorative" val="1"/>
+                </a:ext>
+              </a:extLst>
+            </p:cNvPr>
+            <p:cNvSpPr/>
+            <p:nvPr>
+              <p:extLst>
+                <p:ext uri="{386F3935-93C4-4BCD-93E2-E3B085C9AB24}">
+                  <p16:designElem xmlns:p16="http://schemas.microsoft.com/office/powerpoint/2015/main" val="1"/>
+                </p:ext>
+              </p:extLst>
+            </p:nvPr>
+          </p:nvSpPr>
+          <p:spPr>
+            <a:xfrm>
+              <a:off x="9334500" y="-8467"/>
+              <a:ext cx="2854326" cy="6866467"/>
+            </a:xfrm>
+            <a:custGeom>
+              <a:avLst/>
+              <a:gdLst/>
+              <a:ahLst/>
+              <a:cxnLst/>
+              <a:rect l="l" t="t" r="r" b="b"/>
+              <a:pathLst>
+                <a:path w="2858013" h="6866467">
+                  <a:moveTo>
+                    <a:pt x="0" y="0"/>
+                  </a:moveTo>
+                  <a:lnTo>
+                    <a:pt x="2858013" y="0"/>
+                  </a:lnTo>
+                  <a:lnTo>
+                    <a:pt x="2858013" y="6866467"/>
+                  </a:lnTo>
+                  <a:lnTo>
+                    <a:pt x="2473942" y="6866467"/>
+                  </a:lnTo>
+                  <a:lnTo>
+                    <a:pt x="0" y="0"/>
+                  </a:lnTo>
+                  <a:close/>
+                </a:path>
+              </a:pathLst>
+            </a:custGeom>
+            <a:solidFill>
+              <a:schemeClr val="accent1">
+                <a:lumMod val="75000"/>
+                <a:alpha val="50000"/>
+              </a:schemeClr>
+            </a:solidFill>
+            <a:ln>
+              <a:noFill/>
+            </a:ln>
+            <a:effectLst/>
+          </p:spPr>
+          <p:style>
+            <a:lnRef idx="1">
+              <a:schemeClr val="accent1"/>
+            </a:lnRef>
+            <a:fillRef idx="3">
+              <a:schemeClr val="accent1"/>
+            </a:fillRef>
+            <a:effectRef idx="2">
+              <a:schemeClr val="accent1"/>
+            </a:effectRef>
+            <a:fontRef idx="minor">
+              <a:schemeClr val="lt1"/>
+            </a:fontRef>
+          </p:style>
+        </p:sp>
+        <p:sp>
+          <p:nvSpPr>
+            <p:cNvPr id="18" name="Rectangle 28">
+              <a:extLst>
+                <a:ext uri="{FF2B5EF4-FFF2-40B4-BE49-F238E27FC236}">
+                  <a16:creationId xmlns:a16="http://schemas.microsoft.com/office/drawing/2014/main" id="{E3B96D94-5F5A-4F4C-810C-917BF4D266C3}"/>
+                </a:ext>
+                <a:ext uri="{C183D7F6-B498-43B3-948B-1728B52AA6E4}">
+                  <adec:decorative xmlns:adec="http://schemas.microsoft.com/office/drawing/2017/decorative" val="1"/>
+                </a:ext>
+              </a:extLst>
+            </p:cNvPr>
+            <p:cNvSpPr/>
+            <p:nvPr>
+              <p:extLst>
+                <p:ext uri="{386F3935-93C4-4BCD-93E2-E3B085C9AB24}">
+                  <p16:designElem xmlns:p16="http://schemas.microsoft.com/office/powerpoint/2015/main" val="1"/>
+                </p:ext>
+              </p:extLst>
+            </p:nvPr>
+          </p:nvSpPr>
+          <p:spPr>
+            <a:xfrm>
+              <a:off x="10898730" y="-8467"/>
+              <a:ext cx="1290094" cy="6866467"/>
+            </a:xfrm>
+            <a:custGeom>
+              <a:avLst/>
+              <a:gdLst/>
+              <a:ahLst/>
+              <a:cxnLst/>
+              <a:rect l="l" t="t" r="r" b="b"/>
+              <a:pathLst>
+                <a:path w="1290094" h="6858000">
+                  <a:moveTo>
+                    <a:pt x="1019735" y="0"/>
+                  </a:moveTo>
+                  <a:lnTo>
+                    <a:pt x="1290094" y="0"/>
+                  </a:lnTo>
+                  <a:lnTo>
+                    <a:pt x="1290094" y="6858000"/>
+                  </a:lnTo>
+                  <a:lnTo>
+                    <a:pt x="0" y="6858000"/>
+                  </a:lnTo>
+                  <a:lnTo>
+                    <a:pt x="1019735" y="0"/>
+                  </a:lnTo>
+                  <a:close/>
+                </a:path>
+              </a:pathLst>
+            </a:custGeom>
+            <a:solidFill>
+              <a:schemeClr val="accent2">
+                <a:alpha val="70000"/>
+              </a:schemeClr>
+            </a:solidFill>
+            <a:ln>
+              <a:noFill/>
+            </a:ln>
+            <a:effectLst/>
+          </p:spPr>
+          <p:style>
+            <a:lnRef idx="1">
+              <a:schemeClr val="accent1"/>
+            </a:lnRef>
+            <a:fillRef idx="3">
+              <a:schemeClr val="accent1"/>
+            </a:fillRef>
+            <a:effectRef idx="2">
+              <a:schemeClr val="accent1"/>
+            </a:effectRef>
+            <a:fontRef idx="minor">
+              <a:schemeClr val="lt1"/>
+            </a:fontRef>
+          </p:style>
+        </p:sp>
+        <p:sp>
+          <p:nvSpPr>
+            <p:cNvPr id="19" name="Rectangle 29">
+              <a:extLst>
+                <a:ext uri="{FF2B5EF4-FFF2-40B4-BE49-F238E27FC236}">
+                  <a16:creationId xmlns:a16="http://schemas.microsoft.com/office/drawing/2014/main" id="{7F3782D6-BFF8-4389-9D39-A023ADAA92C1}"/>
+                </a:ext>
+                <a:ext uri="{C183D7F6-B498-43B3-948B-1728B52AA6E4}">
+                  <adec:decorative xmlns:adec="http://schemas.microsoft.com/office/drawing/2017/decorative" val="1"/>
+                </a:ext>
+              </a:extLst>
+            </p:cNvPr>
+            <p:cNvSpPr/>
+            <p:nvPr>
+              <p:extLst>
+                <p:ext uri="{386F3935-93C4-4BCD-93E2-E3B085C9AB24}">
+                  <p16:designElem xmlns:p16="http://schemas.microsoft.com/office/powerpoint/2015/main" val="1"/>
+                </p:ext>
+              </p:extLst>
+            </p:nvPr>
+          </p:nvSpPr>
+          <p:spPr>
+            <a:xfrm>
+              <a:off x="10938999" y="-8467"/>
+              <a:ext cx="1249825" cy="6866467"/>
+            </a:xfrm>
+            <a:custGeom>
+              <a:avLst/>
+              <a:gdLst/>
+              <a:ahLst/>
+              <a:cxnLst/>
+              <a:rect l="l" t="t" r="r" b="b"/>
+              <a:pathLst>
+                <a:path w="1249825" h="6858000">
+                  <a:moveTo>
+                    <a:pt x="0" y="0"/>
+                  </a:moveTo>
+                  <a:lnTo>
+                    <a:pt x="1249825" y="0"/>
+                  </a:lnTo>
+                  <a:lnTo>
+                    <a:pt x="1249825" y="6858000"/>
+                  </a:lnTo>
+                  <a:lnTo>
+                    <a:pt x="1109382" y="6858000"/>
+                  </a:lnTo>
+                  <a:lnTo>
+                    <a:pt x="0" y="0"/>
+                  </a:lnTo>
+                  <a:close/>
+                </a:path>
+              </a:pathLst>
+            </a:custGeom>
+            <a:solidFill>
+              <a:schemeClr val="accent2">
+                <a:lumMod val="75000"/>
+                <a:alpha val="80000"/>
+              </a:schemeClr>
+            </a:solidFill>
+            <a:ln>
+              <a:noFill/>
+            </a:ln>
+            <a:effectLst/>
+          </p:spPr>
+          <p:style>
+            <a:lnRef idx="1">
+              <a:schemeClr val="accent1"/>
+            </a:lnRef>
+            <a:fillRef idx="3">
+              <a:schemeClr val="accent1"/>
+            </a:fillRef>
+            <a:effectRef idx="2">
+              <a:schemeClr val="accent1"/>
+            </a:effectRef>
+            <a:fontRef idx="minor">
+              <a:schemeClr val="lt1"/>
+            </a:fontRef>
+          </p:style>
+        </p:sp>
+        <p:sp>
+          <p:nvSpPr>
+            <p:cNvPr id="20" name="Isosceles Triangle 19">
+              <a:extLst>
+                <a:ext uri="{FF2B5EF4-FFF2-40B4-BE49-F238E27FC236}">
+                  <a16:creationId xmlns:a16="http://schemas.microsoft.com/office/drawing/2014/main" id="{ECE162D4-FCAE-441B-B5E9-C91DE62124EF}"/>
+                </a:ext>
+                <a:ext uri="{C183D7F6-B498-43B3-948B-1728B52AA6E4}">
+                  <adec:decorative xmlns:adec="http://schemas.microsoft.com/office/drawing/2017/decorative" val="1"/>
+                </a:ext>
+              </a:extLst>
+            </p:cNvPr>
+            <p:cNvSpPr/>
+            <p:nvPr>
+              <p:extLst>
+                <p:ext uri="{386F3935-93C4-4BCD-93E2-E3B085C9AB24}">
+                  <p16:designElem xmlns:p16="http://schemas.microsoft.com/office/powerpoint/2015/main" val="1"/>
+                </p:ext>
+              </p:extLst>
+            </p:nvPr>
+          </p:nvSpPr>
+          <p:spPr>
+            <a:xfrm>
+              <a:off x="10371666" y="3589867"/>
+              <a:ext cx="1817159" cy="3268133"/>
+            </a:xfrm>
+            <a:prstGeom prst="triangle">
+              <a:avLst>
+                <a:gd name="adj" fmla="val 100000"/>
+              </a:avLst>
+            </a:prstGeom>
+            <a:solidFill>
+              <a:schemeClr val="accent1">
+                <a:lumMod val="75000"/>
+                <a:alpha val="66000"/>
+              </a:schemeClr>
+            </a:solidFill>
+            <a:ln>
+              <a:noFill/>
+            </a:ln>
+            <a:effectLst/>
+          </p:spPr>
+          <p:style>
+            <a:lnRef idx="1">
+              <a:schemeClr val="accent1"/>
+            </a:lnRef>
+            <a:fillRef idx="3">
+              <a:schemeClr val="accent1"/>
+            </a:fillRef>
+            <a:effectRef idx="2">
+              <a:schemeClr val="accent1"/>
+            </a:effectRef>
+            <a:fontRef idx="minor">
+              <a:schemeClr val="lt1"/>
+            </a:fontRef>
+          </p:style>
+        </p:sp>
+      </p:grpSp>
+      <p:sp>
+        <p:nvSpPr>
+          <p:cNvPr id="2" name="Title 1">
+            <a:extLst>
+              <a:ext uri="{FF2B5EF4-FFF2-40B4-BE49-F238E27FC236}">
+                <a16:creationId xmlns:a16="http://schemas.microsoft.com/office/drawing/2014/main" id="{88849A1C-81A4-42B3-906F-4B67C551BA99}"/>
+              </a:ext>
+            </a:extLst>
+          </p:cNvPr>
+          <p:cNvSpPr>
+            <a:spLocks noGrp="1"/>
+          </p:cNvSpPr>
+          <p:nvPr>
+            <p:ph type="title"/>
+          </p:nvPr>
+        </p:nvSpPr>
+        <p:spPr>
+          <a:xfrm>
+            <a:off x="6094855" y="1261331"/>
+            <a:ext cx="3497565" cy="3002662"/>
+          </a:xfrm>
+        </p:spPr>
+        <p:txBody>
+          <a:bodyPr vert="horz" lIns="91440" tIns="45720" rIns="91440" bIns="45720" rtlCol="0" anchor="b">
+            <a:normAutofit/>
+          </a:bodyPr>
+          <a:lstStyle/>
+          <a:p>
+            <a:r>
+              <a:rPr lang="en-US" sz="4400"/>
+              <a:t>Any Questions?</a:t>
+            </a:r>
+          </a:p>
+        </p:txBody>
+      </p:sp>
+      <p:sp>
+        <p:nvSpPr>
+          <p:cNvPr id="22" name="Isosceles Triangle 21">
+            <a:extLst>
+              <a:ext uri="{FF2B5EF4-FFF2-40B4-BE49-F238E27FC236}">
+                <a16:creationId xmlns:a16="http://schemas.microsoft.com/office/drawing/2014/main" id="{F6E918B1-FA59-42EF-8A8E-B0F3D1E54084}"/>
+              </a:ext>
+              <a:ext uri="{C183D7F6-B498-43B3-948B-1728B52AA6E4}">
+                <adec:decorative xmlns:adec="http://schemas.microsoft.com/office/drawing/2017/decorative" val="1"/>
+              </a:ext>
+            </a:extLst>
+          </p:cNvPr>
+          <p:cNvSpPr>
+            <a:spLocks noGrp="1" noRot="1" noChangeAspect="1" noMove="1" noResize="1" noEditPoints="1" noAdjustHandles="1" noChangeArrowheads="1" noChangeShapeType="1" noTextEdit="1"/>
+          </p:cNvSpPr>
+          <p:nvPr>
+            <p:extLst>
+              <p:ext uri="{386F3935-93C4-4BCD-93E2-E3B085C9AB24}">
+                <p16:designElem xmlns:p16="http://schemas.microsoft.com/office/powerpoint/2015/main" val="1"/>
+              </p:ext>
+            </p:extLst>
+          </p:nvPr>
+        </p:nvSpPr>
+        <p:spPr>
+          <a:xfrm rot="10800000">
+            <a:off x="3174" y="12700"/>
+            <a:ext cx="842596" cy="5666154"/>
+          </a:xfrm>
+          <a:prstGeom prst="triangle">
+            <a:avLst>
+              <a:gd name="adj" fmla="val 100000"/>
+            </a:avLst>
+          </a:prstGeom>
+          <a:solidFill>
+            <a:schemeClr val="accent1">
+              <a:alpha val="85000"/>
+            </a:schemeClr>
+          </a:solidFill>
+          <a:ln>
+            <a:noFill/>
+          </a:ln>
+          <a:effectLst/>
+        </p:spPr>
+        <p:style>
+          <a:lnRef idx="1">
+            <a:schemeClr val="accent1"/>
+          </a:lnRef>
+          <a:fillRef idx="3">
+            <a:schemeClr val="accent1"/>
+          </a:fillRef>
+          <a:effectRef idx="2">
+            <a:schemeClr val="accent1"/>
+          </a:effectRef>
+          <a:fontRef idx="minor">
+            <a:schemeClr val="lt1"/>
+          </a:fontRef>
+        </p:style>
+      </p:sp>
+      <p:pic>
+        <p:nvPicPr>
+          <p:cNvPr id="5" name="Content Placeholder 4">
+            <a:extLst>
+              <a:ext uri="{FF2B5EF4-FFF2-40B4-BE49-F238E27FC236}">
+                <a16:creationId xmlns:a16="http://schemas.microsoft.com/office/drawing/2014/main" id="{CE0B2B02-3C45-4D9C-B40A-0F00489D196B}"/>
+              </a:ext>
+            </a:extLst>
+          </p:cNvPr>
+          <p:cNvPicPr>
+            <a:picLocks noGrp="1" noChangeAspect="1"/>
+          </p:cNvPicPr>
+          <p:nvPr>
+            <p:ph idx="1"/>
+          </p:nvPr>
+        </p:nvPicPr>
+        <p:blipFill>
+          <a:blip r:embed="rId2"/>
+          <a:stretch>
+            <a:fillRect/>
+          </a:stretch>
+        </p:blipFill>
+        <p:spPr>
+          <a:xfrm>
+            <a:off x="888603" y="1577914"/>
+            <a:ext cx="4887354" cy="3702171"/>
+          </a:xfrm>
+          <a:prstGeom prst="rect">
+            <a:avLst/>
+          </a:prstGeom>
+        </p:spPr>
+      </p:pic>
+    </p:spTree>
+    <p:extLst>
+      <p:ext uri="{BB962C8B-B14F-4D97-AF65-F5344CB8AC3E}">
+        <p14:creationId xmlns:p14="http://schemas.microsoft.com/office/powerpoint/2010/main" val="775650225"/>
+      </p:ext>
+    </p:extLst>
+  </p:cSld>
+  <p:clrMapOvr>
+    <a:masterClrMapping/>
+  </p:clrMapOvr>
+</p:sld>
+</file>
+
 <file path=ppt/slides/slide2.xml><?xml version="1.0" encoding="utf-8"?>
 <p:sld xmlns:a="http://schemas.openxmlformats.org/drawingml/2006/main" xmlns:r="http://schemas.openxmlformats.org/officeDocument/2006/relationships" xmlns:p="http://schemas.openxmlformats.org/presentationml/2006/main">
   <p:cSld>
@@ -7082,8 +10139,8 @@
           </a:prstGeom>
         </p:spPr>
       </p:pic>
-      <mc:AlternateContent xmlns:mc="http://schemas.openxmlformats.org/markup-compatibility/2006">
-        <mc:Choice xmlns:a14="http://schemas.microsoft.com/office/drawing/2010/main" Requires="a14">
+      <mc:AlternateContent xmlns:mc="http://schemas.openxmlformats.org/markup-compatibility/2006" xmlns:a14="http://schemas.microsoft.com/office/drawing/2010/main">
+        <mc:Choice Requires="a14">
           <p:sp>
             <p:nvSpPr>
               <p:cNvPr id="3" name="Content Placeholder 2">
@@ -7205,7 +10262,7 @@
             </p:txBody>
           </p:sp>
         </mc:Choice>
-        <mc:Fallback>
+        <mc:Fallback xmlns="">
           <p:sp>
             <p:nvSpPr>
               <p:cNvPr id="3" name="Content Placeholder 2">
@@ -7918,6 +10975,656 @@
     <p:extLst>
       <p:ext uri="{BB962C8B-B14F-4D97-AF65-F5344CB8AC3E}">
         <p14:creationId xmlns:p14="http://schemas.microsoft.com/office/powerpoint/2010/main" val="1780925273"/>
+      </p:ext>
+    </p:extLst>
+  </p:cSld>
+  <p:clrMapOvr>
+    <a:masterClrMapping/>
+  </p:clrMapOvr>
+</p:sld>
+</file>
+
+<file path=ppt/slides/slide8.xml><?xml version="1.0" encoding="utf-8"?>
+<p:sld xmlns:a="http://schemas.openxmlformats.org/drawingml/2006/main" xmlns:r="http://schemas.openxmlformats.org/officeDocument/2006/relationships" xmlns:p="http://schemas.openxmlformats.org/presentationml/2006/main">
+  <p:cSld>
+    <p:spTree>
+      <p:nvGrpSpPr>
+        <p:cNvPr id="1" name=""/>
+        <p:cNvGrpSpPr/>
+        <p:nvPr/>
+      </p:nvGrpSpPr>
+      <p:grpSpPr>
+        <a:xfrm>
+          <a:off x="0" y="0"/>
+          <a:ext cx="0" cy="0"/>
+          <a:chOff x="0" y="0"/>
+          <a:chExt cx="0" cy="0"/>
+        </a:xfrm>
+      </p:grpSpPr>
+      <p:sp>
+        <p:nvSpPr>
+          <p:cNvPr id="2" name="Title 1">
+            <a:extLst>
+              <a:ext uri="{FF2B5EF4-FFF2-40B4-BE49-F238E27FC236}">
+                <a16:creationId xmlns:a16="http://schemas.microsoft.com/office/drawing/2014/main" id="{9DBDDBE6-705A-48FC-8CFC-C1A899BDB254}"/>
+              </a:ext>
+            </a:extLst>
+          </p:cNvPr>
+          <p:cNvSpPr>
+            <a:spLocks noGrp="1"/>
+          </p:cNvSpPr>
+          <p:nvPr>
+            <p:ph type="title"/>
+          </p:nvPr>
+        </p:nvSpPr>
+        <p:spPr/>
+        <p:txBody>
+          <a:bodyPr/>
+          <a:lstStyle/>
+          <a:p>
+            <a:r>
+              <a:rPr lang="en-US" dirty="0"/>
+              <a:t>If Statement</a:t>
+            </a:r>
+          </a:p>
+        </p:txBody>
+      </p:sp>
+      <p:sp>
+        <p:nvSpPr>
+          <p:cNvPr id="3" name="Content Placeholder 2">
+            <a:extLst>
+              <a:ext uri="{FF2B5EF4-FFF2-40B4-BE49-F238E27FC236}">
+                <a16:creationId xmlns:a16="http://schemas.microsoft.com/office/drawing/2014/main" id="{025E436B-21C7-4615-961E-986A44889483}"/>
+              </a:ext>
+            </a:extLst>
+          </p:cNvPr>
+          <p:cNvSpPr>
+            <a:spLocks noGrp="1"/>
+          </p:cNvSpPr>
+          <p:nvPr>
+            <p:ph idx="1"/>
+          </p:nvPr>
+        </p:nvSpPr>
+        <p:spPr>
+          <a:xfrm>
+            <a:off x="4195491" y="2246621"/>
+            <a:ext cx="5807356" cy="2364758"/>
+          </a:xfrm>
+        </p:spPr>
+        <p:txBody>
+          <a:bodyPr/>
+          <a:lstStyle/>
+          <a:p>
+            <a:pPr>
+              <a:buFont typeface="+mj-lt"/>
+              <a:buAutoNum type="arabicPeriod"/>
+            </a:pPr>
+            <a:r>
+              <a:rPr lang="en-US" dirty="0"/>
+              <a:t>Execute </a:t>
+            </a:r>
+            <a:r>
+              <a:rPr lang="en-US" dirty="0">
+                <a:latin typeface="Consolas" panose="020B0609020204030204" pitchFamily="49" charset="0"/>
+              </a:rPr>
+              <a:t>&lt;statements_1&gt;</a:t>
+            </a:r>
+          </a:p>
+          <a:p>
+            <a:pPr>
+              <a:buFont typeface="+mj-lt"/>
+              <a:buAutoNum type="arabicPeriod"/>
+            </a:pPr>
+            <a:r>
+              <a:rPr lang="en-US" dirty="0"/>
+              <a:t>Check </a:t>
+            </a:r>
+            <a:r>
+              <a:rPr lang="en-US" dirty="0">
+                <a:latin typeface="Consolas" panose="020B0609020204030204" pitchFamily="49" charset="0"/>
+              </a:rPr>
+              <a:t>&lt;</a:t>
+            </a:r>
+            <a:r>
+              <a:rPr lang="en-US" dirty="0" err="1">
+                <a:latin typeface="Consolas" panose="020B0609020204030204" pitchFamily="49" charset="0"/>
+              </a:rPr>
+              <a:t>booleanExpr</a:t>
+            </a:r>
+            <a:r>
+              <a:rPr lang="en-US" dirty="0">
+                <a:latin typeface="Consolas" panose="020B0609020204030204" pitchFamily="49" charset="0"/>
+              </a:rPr>
+              <a:t>&gt;</a:t>
+            </a:r>
+            <a:r>
+              <a:rPr lang="en-US" dirty="0"/>
+              <a:t>, if it is true, go to 3, otherwise go to 4.</a:t>
+            </a:r>
+          </a:p>
+          <a:p>
+            <a:pPr>
+              <a:buFont typeface="+mj-lt"/>
+              <a:buAutoNum type="arabicPeriod"/>
+            </a:pPr>
+            <a:r>
+              <a:rPr lang="en-US" dirty="0"/>
+              <a:t>Execute </a:t>
+            </a:r>
+            <a:r>
+              <a:rPr lang="en-US" dirty="0">
+                <a:latin typeface="Consolas" panose="020B0609020204030204" pitchFamily="49" charset="0"/>
+              </a:rPr>
+              <a:t>&lt;statements_2&gt;</a:t>
+            </a:r>
+          </a:p>
+          <a:p>
+            <a:pPr>
+              <a:buFont typeface="+mj-lt"/>
+              <a:buAutoNum type="arabicPeriod"/>
+            </a:pPr>
+            <a:r>
+              <a:rPr lang="en-US" dirty="0"/>
+              <a:t>Execute </a:t>
+            </a:r>
+            <a:r>
+              <a:rPr lang="en-US" dirty="0">
+                <a:latin typeface="Consolas" panose="020B0609020204030204" pitchFamily="49" charset="0"/>
+              </a:rPr>
+              <a:t>&lt;statements_3&gt;</a:t>
+            </a:r>
+          </a:p>
+        </p:txBody>
+      </p:sp>
+      <p:sp>
+        <p:nvSpPr>
+          <p:cNvPr id="4" name="TextBox 3">
+            <a:extLst>
+              <a:ext uri="{FF2B5EF4-FFF2-40B4-BE49-F238E27FC236}">
+                <a16:creationId xmlns:a16="http://schemas.microsoft.com/office/drawing/2014/main" id="{1A9E8ACA-EFD9-4E3A-824C-8B0D62735D92}"/>
+              </a:ext>
+            </a:extLst>
+          </p:cNvPr>
+          <p:cNvSpPr txBox="1"/>
+          <p:nvPr/>
+        </p:nvSpPr>
+        <p:spPr>
+          <a:xfrm>
+            <a:off x="677334" y="2690336"/>
+            <a:ext cx="2686652" cy="1477328"/>
+          </a:xfrm>
+          <a:prstGeom prst="rect">
+            <a:avLst/>
+          </a:prstGeom>
+          <a:noFill/>
+        </p:spPr>
+        <p:txBody>
+          <a:bodyPr wrap="square" rtlCol="0">
+            <a:spAutoFit/>
+          </a:bodyPr>
+          <a:lstStyle/>
+          <a:p>
+            <a:r>
+              <a:rPr lang="en-US" dirty="0">
+                <a:solidFill>
+                  <a:srgbClr val="FF9900"/>
+                </a:solidFill>
+                <a:latin typeface="Consolas" panose="020B0609020204030204" pitchFamily="49" charset="0"/>
+              </a:rPr>
+              <a:t>&lt;statements_1&gt;</a:t>
+            </a:r>
+          </a:p>
+          <a:p>
+            <a:r>
+              <a:rPr lang="en-US" dirty="0">
+                <a:solidFill>
+                  <a:srgbClr val="6600CC"/>
+                </a:solidFill>
+                <a:latin typeface="Consolas" panose="020B0609020204030204" pitchFamily="49" charset="0"/>
+              </a:rPr>
+              <a:t>if</a:t>
+            </a:r>
+            <a:r>
+              <a:rPr lang="en-US" dirty="0">
+                <a:latin typeface="Consolas" panose="020B0609020204030204" pitchFamily="49" charset="0"/>
+              </a:rPr>
+              <a:t>(</a:t>
+            </a:r>
+            <a:r>
+              <a:rPr lang="en-US" dirty="0">
+                <a:solidFill>
+                  <a:srgbClr val="FF9900"/>
+                </a:solidFill>
+                <a:latin typeface="Consolas" panose="020B0609020204030204" pitchFamily="49" charset="0"/>
+              </a:rPr>
+              <a:t>&lt;</a:t>
+            </a:r>
+            <a:r>
+              <a:rPr lang="en-US" dirty="0" err="1">
+                <a:solidFill>
+                  <a:srgbClr val="FF9900"/>
+                </a:solidFill>
+                <a:latin typeface="Consolas" panose="020B0609020204030204" pitchFamily="49" charset="0"/>
+              </a:rPr>
+              <a:t>booleanExpr</a:t>
+            </a:r>
+            <a:r>
+              <a:rPr lang="en-US" dirty="0">
+                <a:solidFill>
+                  <a:srgbClr val="FF9900"/>
+                </a:solidFill>
+                <a:latin typeface="Consolas" panose="020B0609020204030204" pitchFamily="49" charset="0"/>
+              </a:rPr>
+              <a:t>&gt;</a:t>
+            </a:r>
+            <a:r>
+              <a:rPr lang="en-US" dirty="0">
+                <a:latin typeface="Consolas" panose="020B0609020204030204" pitchFamily="49" charset="0"/>
+              </a:rPr>
+              <a:t>) {</a:t>
+            </a:r>
+          </a:p>
+          <a:p>
+            <a:r>
+              <a:rPr lang="en-US" dirty="0">
+                <a:latin typeface="Consolas" panose="020B0609020204030204" pitchFamily="49" charset="0"/>
+              </a:rPr>
+              <a:t>	</a:t>
+            </a:r>
+            <a:r>
+              <a:rPr lang="en-US" dirty="0">
+                <a:solidFill>
+                  <a:srgbClr val="FF9900"/>
+                </a:solidFill>
+                <a:latin typeface="Consolas" panose="020B0609020204030204" pitchFamily="49" charset="0"/>
+              </a:rPr>
+              <a:t>&lt;statements_2&gt;</a:t>
+            </a:r>
+          </a:p>
+          <a:p>
+            <a:r>
+              <a:rPr lang="en-US" dirty="0">
+                <a:latin typeface="Consolas" panose="020B0609020204030204" pitchFamily="49" charset="0"/>
+              </a:rPr>
+              <a:t>}</a:t>
+            </a:r>
+          </a:p>
+          <a:p>
+            <a:r>
+              <a:rPr lang="en-US" dirty="0">
+                <a:solidFill>
+                  <a:srgbClr val="FF9900"/>
+                </a:solidFill>
+                <a:latin typeface="Consolas" panose="020B0609020204030204" pitchFamily="49" charset="0"/>
+              </a:rPr>
+              <a:t>&lt;statements_3&gt;</a:t>
+            </a:r>
+          </a:p>
+        </p:txBody>
+      </p:sp>
+    </p:spTree>
+    <p:extLst>
+      <p:ext uri="{BB962C8B-B14F-4D97-AF65-F5344CB8AC3E}">
+        <p14:creationId xmlns:p14="http://schemas.microsoft.com/office/powerpoint/2010/main" val="2359201060"/>
+      </p:ext>
+    </p:extLst>
+  </p:cSld>
+  <p:clrMapOvr>
+    <a:masterClrMapping/>
+  </p:clrMapOvr>
+</p:sld>
+</file>
+
+<file path=ppt/slides/slide9.xml><?xml version="1.0" encoding="utf-8"?>
+<p:sld xmlns:a="http://schemas.openxmlformats.org/drawingml/2006/main" xmlns:r="http://schemas.openxmlformats.org/officeDocument/2006/relationships" xmlns:p="http://schemas.openxmlformats.org/presentationml/2006/main">
+  <p:cSld>
+    <p:spTree>
+      <p:nvGrpSpPr>
+        <p:cNvPr id="1" name=""/>
+        <p:cNvGrpSpPr/>
+        <p:nvPr/>
+      </p:nvGrpSpPr>
+      <p:grpSpPr>
+        <a:xfrm>
+          <a:off x="0" y="0"/>
+          <a:ext cx="0" cy="0"/>
+          <a:chOff x="0" y="0"/>
+          <a:chExt cx="0" cy="0"/>
+        </a:xfrm>
+      </p:grpSpPr>
+      <p:sp>
+        <p:nvSpPr>
+          <p:cNvPr id="2" name="Title 1">
+            <a:extLst>
+              <a:ext uri="{FF2B5EF4-FFF2-40B4-BE49-F238E27FC236}">
+                <a16:creationId xmlns:a16="http://schemas.microsoft.com/office/drawing/2014/main" id="{52AC0AB6-EF6A-47B6-A4B4-B0869BF0CCDC}"/>
+              </a:ext>
+            </a:extLst>
+          </p:cNvPr>
+          <p:cNvSpPr>
+            <a:spLocks noGrp="1"/>
+          </p:cNvSpPr>
+          <p:nvPr>
+            <p:ph type="title"/>
+          </p:nvPr>
+        </p:nvSpPr>
+        <p:spPr/>
+        <p:txBody>
+          <a:bodyPr/>
+          <a:lstStyle/>
+          <a:p>
+            <a:r>
+              <a:rPr lang="en-US" dirty="0"/>
+              <a:t>If-Else Statement</a:t>
+            </a:r>
+          </a:p>
+        </p:txBody>
+      </p:sp>
+      <p:sp>
+        <p:nvSpPr>
+          <p:cNvPr id="3" name="Content Placeholder 2">
+            <a:extLst>
+              <a:ext uri="{FF2B5EF4-FFF2-40B4-BE49-F238E27FC236}">
+                <a16:creationId xmlns:a16="http://schemas.microsoft.com/office/drawing/2014/main" id="{A09CF615-CC70-47B9-8900-282286222120}"/>
+              </a:ext>
+            </a:extLst>
+          </p:cNvPr>
+          <p:cNvSpPr>
+            <a:spLocks noGrp="1"/>
+          </p:cNvSpPr>
+          <p:nvPr>
+            <p:ph idx="1"/>
+          </p:nvPr>
+        </p:nvSpPr>
+        <p:spPr>
+          <a:xfrm>
+            <a:off x="3462479" y="2228729"/>
+            <a:ext cx="5740244" cy="2400540"/>
+          </a:xfrm>
+        </p:spPr>
+        <p:txBody>
+          <a:bodyPr>
+            <a:normAutofit fontScale="92500" lnSpcReduction="10000"/>
+          </a:bodyPr>
+          <a:lstStyle/>
+          <a:p>
+            <a:pPr>
+              <a:buFont typeface="+mj-lt"/>
+              <a:buAutoNum type="arabicPeriod"/>
+            </a:pPr>
+            <a:r>
+              <a:rPr lang="en-US" dirty="0"/>
+              <a:t>Execute </a:t>
+            </a:r>
+            <a:r>
+              <a:rPr lang="en-US" dirty="0">
+                <a:latin typeface="Consolas" panose="020B0609020204030204" pitchFamily="49" charset="0"/>
+              </a:rPr>
+              <a:t>&lt;statements_1&gt;</a:t>
+            </a:r>
+          </a:p>
+          <a:p>
+            <a:pPr>
+              <a:buFont typeface="+mj-lt"/>
+              <a:buAutoNum type="arabicPeriod"/>
+            </a:pPr>
+            <a:r>
+              <a:rPr lang="en-US" dirty="0"/>
+              <a:t>Check </a:t>
+            </a:r>
+            <a:r>
+              <a:rPr lang="en-US" dirty="0">
+                <a:latin typeface="Consolas" panose="020B0609020204030204" pitchFamily="49" charset="0"/>
+              </a:rPr>
+              <a:t>&lt;</a:t>
+            </a:r>
+            <a:r>
+              <a:rPr lang="en-US" dirty="0" err="1">
+                <a:latin typeface="Consolas" panose="020B0609020204030204" pitchFamily="49" charset="0"/>
+              </a:rPr>
+              <a:t>booleanExpr</a:t>
+            </a:r>
+            <a:r>
+              <a:rPr lang="en-US" dirty="0">
+                <a:latin typeface="Consolas" panose="020B0609020204030204" pitchFamily="49" charset="0"/>
+              </a:rPr>
+              <a:t>&gt; </a:t>
+            </a:r>
+            <a:r>
+              <a:rPr lang="en-US" dirty="0"/>
+              <a:t>if it is true, go to three, if it is false, go to 5.</a:t>
+            </a:r>
+          </a:p>
+          <a:p>
+            <a:pPr>
+              <a:buFont typeface="+mj-lt"/>
+              <a:buAutoNum type="arabicPeriod"/>
+            </a:pPr>
+            <a:r>
+              <a:rPr lang="en-US" dirty="0"/>
+              <a:t>Execute </a:t>
+            </a:r>
+            <a:r>
+              <a:rPr lang="en-US" dirty="0">
+                <a:latin typeface="Consolas" panose="020B0609020204030204" pitchFamily="49" charset="0"/>
+              </a:rPr>
+              <a:t>&lt;statements_2&gt;</a:t>
+            </a:r>
+          </a:p>
+          <a:p>
+            <a:pPr>
+              <a:buFont typeface="+mj-lt"/>
+              <a:buAutoNum type="arabicPeriod"/>
+            </a:pPr>
+            <a:r>
+              <a:rPr lang="en-US" dirty="0"/>
+              <a:t>Go to 6</a:t>
+            </a:r>
+          </a:p>
+          <a:p>
+            <a:pPr>
+              <a:buFont typeface="+mj-lt"/>
+              <a:buAutoNum type="arabicPeriod"/>
+            </a:pPr>
+            <a:r>
+              <a:rPr lang="en-US" dirty="0"/>
+              <a:t>Execute </a:t>
+            </a:r>
+            <a:r>
+              <a:rPr lang="en-US" dirty="0">
+                <a:latin typeface="Consolas" panose="020B0609020204030204" pitchFamily="49" charset="0"/>
+              </a:rPr>
+              <a:t>&lt;statements_3&gt;</a:t>
+            </a:r>
+          </a:p>
+          <a:p>
+            <a:pPr>
+              <a:buFont typeface="+mj-lt"/>
+              <a:buAutoNum type="arabicPeriod"/>
+            </a:pPr>
+            <a:r>
+              <a:rPr lang="en-US" dirty="0"/>
+              <a:t>Execute </a:t>
+            </a:r>
+            <a:r>
+              <a:rPr lang="en-US" dirty="0">
+                <a:latin typeface="Consolas" panose="020B0609020204030204" pitchFamily="49" charset="0"/>
+              </a:rPr>
+              <a:t>&lt;statements_4&gt;</a:t>
+            </a:r>
+          </a:p>
+        </p:txBody>
+      </p:sp>
+      <p:sp>
+        <p:nvSpPr>
+          <p:cNvPr id="4" name="TextBox 3">
+            <a:extLst>
+              <a:ext uri="{FF2B5EF4-FFF2-40B4-BE49-F238E27FC236}">
+                <a16:creationId xmlns:a16="http://schemas.microsoft.com/office/drawing/2014/main" id="{6EFABB66-4FE0-4CB8-9E08-02F8A716ECCD}"/>
+              </a:ext>
+            </a:extLst>
+          </p:cNvPr>
+          <p:cNvSpPr txBox="1"/>
+          <p:nvPr/>
+        </p:nvSpPr>
+        <p:spPr>
+          <a:xfrm>
+            <a:off x="677334" y="2413337"/>
+            <a:ext cx="2590774" cy="2031325"/>
+          </a:xfrm>
+          <a:prstGeom prst="rect">
+            <a:avLst/>
+          </a:prstGeom>
+          <a:noFill/>
+        </p:spPr>
+        <p:txBody>
+          <a:bodyPr wrap="none" rtlCol="0">
+            <a:spAutoFit/>
+          </a:bodyPr>
+          <a:lstStyle/>
+          <a:p>
+            <a:r>
+              <a:rPr lang="en-US" dirty="0">
+                <a:solidFill>
+                  <a:srgbClr val="FF9900"/>
+                </a:solidFill>
+                <a:latin typeface="Consolas" panose="020B0609020204030204" pitchFamily="49" charset="0"/>
+              </a:rPr>
+              <a:t>&lt;statements_1&gt;</a:t>
+            </a:r>
+          </a:p>
+          <a:p>
+            <a:r>
+              <a:rPr lang="en-US" dirty="0">
+                <a:solidFill>
+                  <a:srgbClr val="6600CC"/>
+                </a:solidFill>
+                <a:latin typeface="Consolas" panose="020B0609020204030204" pitchFamily="49" charset="0"/>
+              </a:rPr>
+              <a:t>if</a:t>
+            </a:r>
+            <a:r>
+              <a:rPr lang="en-US" dirty="0">
+                <a:latin typeface="Consolas" panose="020B0609020204030204" pitchFamily="49" charset="0"/>
+              </a:rPr>
+              <a:t>(</a:t>
+            </a:r>
+            <a:r>
+              <a:rPr lang="en-US" dirty="0">
+                <a:solidFill>
+                  <a:srgbClr val="FF9900"/>
+                </a:solidFill>
+                <a:latin typeface="Consolas" panose="020B0609020204030204" pitchFamily="49" charset="0"/>
+              </a:rPr>
+              <a:t>&lt;</a:t>
+            </a:r>
+            <a:r>
+              <a:rPr lang="en-US" dirty="0" err="1">
+                <a:solidFill>
+                  <a:srgbClr val="FF9900"/>
+                </a:solidFill>
+                <a:latin typeface="Consolas" panose="020B0609020204030204" pitchFamily="49" charset="0"/>
+              </a:rPr>
+              <a:t>booleanExpr</a:t>
+            </a:r>
+            <a:r>
+              <a:rPr lang="en-US" dirty="0">
+                <a:solidFill>
+                  <a:srgbClr val="FF9900"/>
+                </a:solidFill>
+                <a:latin typeface="Consolas" panose="020B0609020204030204" pitchFamily="49" charset="0"/>
+              </a:rPr>
+              <a:t>&gt;</a:t>
+            </a:r>
+            <a:r>
+              <a:rPr lang="en-US" dirty="0">
+                <a:latin typeface="Consolas" panose="020B0609020204030204" pitchFamily="49" charset="0"/>
+              </a:rPr>
+              <a:t>) {</a:t>
+            </a:r>
+          </a:p>
+          <a:p>
+            <a:r>
+              <a:rPr lang="en-US" dirty="0">
+                <a:latin typeface="Consolas" panose="020B0609020204030204" pitchFamily="49" charset="0"/>
+              </a:rPr>
+              <a:t>	</a:t>
+            </a:r>
+            <a:r>
+              <a:rPr lang="en-US" dirty="0">
+                <a:solidFill>
+                  <a:srgbClr val="FF9900"/>
+                </a:solidFill>
+                <a:latin typeface="Consolas" panose="020B0609020204030204" pitchFamily="49" charset="0"/>
+              </a:rPr>
+              <a:t>&lt;statements_2&gt;</a:t>
+            </a:r>
+          </a:p>
+          <a:p>
+            <a:r>
+              <a:rPr lang="en-US" dirty="0">
+                <a:latin typeface="Consolas" panose="020B0609020204030204" pitchFamily="49" charset="0"/>
+              </a:rPr>
+              <a:t>} </a:t>
+            </a:r>
+            <a:r>
+              <a:rPr lang="en-US" dirty="0">
+                <a:solidFill>
+                  <a:srgbClr val="6600CC"/>
+                </a:solidFill>
+                <a:latin typeface="Consolas" panose="020B0609020204030204" pitchFamily="49" charset="0"/>
+              </a:rPr>
+              <a:t>else</a:t>
+            </a:r>
+            <a:r>
+              <a:rPr lang="en-US" dirty="0">
+                <a:latin typeface="Consolas" panose="020B0609020204030204" pitchFamily="49" charset="0"/>
+              </a:rPr>
+              <a:t> {</a:t>
+            </a:r>
+          </a:p>
+          <a:p>
+            <a:r>
+              <a:rPr lang="en-US" dirty="0">
+                <a:latin typeface="Consolas" panose="020B0609020204030204" pitchFamily="49" charset="0"/>
+              </a:rPr>
+              <a:t>	</a:t>
+            </a:r>
+            <a:r>
+              <a:rPr lang="en-US" dirty="0">
+                <a:solidFill>
+                  <a:srgbClr val="FF9900"/>
+                </a:solidFill>
+                <a:latin typeface="Consolas" panose="020B0609020204030204" pitchFamily="49" charset="0"/>
+              </a:rPr>
+              <a:t>&lt;statements_3&gt;</a:t>
+            </a:r>
+          </a:p>
+          <a:p>
+            <a:r>
+              <a:rPr lang="en-US" dirty="0">
+                <a:latin typeface="Consolas" panose="020B0609020204030204" pitchFamily="49" charset="0"/>
+              </a:rPr>
+              <a:t>}</a:t>
+            </a:r>
+          </a:p>
+          <a:p>
+            <a:r>
+              <a:rPr lang="en-US" dirty="0">
+                <a:solidFill>
+                  <a:srgbClr val="FF9900"/>
+                </a:solidFill>
+                <a:latin typeface="Consolas" panose="020B0609020204030204" pitchFamily="49" charset="0"/>
+              </a:rPr>
+              <a:t>&lt;statements_4&gt;</a:t>
+            </a:r>
+          </a:p>
+        </p:txBody>
+      </p:sp>
+    </p:spTree>
+    <p:extLst>
+      <p:ext uri="{BB962C8B-B14F-4D97-AF65-F5344CB8AC3E}">
+        <p14:creationId xmlns:p14="http://schemas.microsoft.com/office/powerpoint/2010/main" val="3196769100"/>
       </p:ext>
     </p:extLst>
   </p:cSld>
@@ -8182,4 +11889,299 @@
     </a:ext>
   </a:extLst>
 </a:theme>
+</file>
+
+<file path=ppt/theme/theme2.xml><?xml version="1.0" encoding="utf-8"?>
+<a:theme xmlns:a="http://schemas.openxmlformats.org/drawingml/2006/main" name="Office Theme">
+  <a:themeElements>
+    <a:clrScheme name="Office">
+      <a:dk1>
+        <a:sysClr val="windowText" lastClr="000000"/>
+      </a:dk1>
+      <a:lt1>
+        <a:sysClr val="window" lastClr="FFFFFF"/>
+      </a:lt1>
+      <a:dk2>
+        <a:srgbClr val="44546A"/>
+      </a:dk2>
+      <a:lt2>
+        <a:srgbClr val="E7E6E6"/>
+      </a:lt2>
+      <a:accent1>
+        <a:srgbClr val="4472C4"/>
+      </a:accent1>
+      <a:accent2>
+        <a:srgbClr val="ED7D31"/>
+      </a:accent2>
+      <a:accent3>
+        <a:srgbClr val="A5A5A5"/>
+      </a:accent3>
+      <a:accent4>
+        <a:srgbClr val="FFC000"/>
+      </a:accent4>
+      <a:accent5>
+        <a:srgbClr val="5B9BD5"/>
+      </a:accent5>
+      <a:accent6>
+        <a:srgbClr val="70AD47"/>
+      </a:accent6>
+      <a:hlink>
+        <a:srgbClr val="0563C1"/>
+      </a:hlink>
+      <a:folHlink>
+        <a:srgbClr val="954F72"/>
+      </a:folHlink>
+    </a:clrScheme>
+    <a:fontScheme name="Office">
+      <a:majorFont>
+        <a:latin typeface="Calibri Light" panose="020F0302020204030204"/>
+        <a:ea typeface=""/>
+        <a:cs typeface=""/>
+        <a:font script="Jpan" typeface="游ゴシック Light"/>
+        <a:font script="Hang" typeface="맑은 고딕"/>
+        <a:font script="Hans" typeface="等线 Light"/>
+        <a:font script="Hant" typeface="新細明體"/>
+        <a:font script="Arab" typeface="Times New Roman"/>
+        <a:font script="Hebr" typeface="Times New Roman"/>
+        <a:font script="Thai" typeface="Angsana New"/>
+        <a:font script="Ethi" typeface="Nyala"/>
+        <a:font script="Beng" typeface="Vrinda"/>
+        <a:font script="Gujr" typeface="Shruti"/>
+        <a:font script="Khmr" typeface="MoolBoran"/>
+        <a:font script="Knda" typeface="Tunga"/>
+        <a:font script="Guru" typeface="Raavi"/>
+        <a:font script="Cans" typeface="Euphemia"/>
+        <a:font script="Cher" typeface="Plantagenet Cherokee"/>
+        <a:font script="Yiii" typeface="Microsoft Yi Baiti"/>
+        <a:font script="Tibt" typeface="Microsoft Himalaya"/>
+        <a:font script="Thaa" typeface="MV Boli"/>
+        <a:font script="Deva" typeface="Mangal"/>
+        <a:font script="Telu" typeface="Gautami"/>
+        <a:font script="Taml" typeface="Latha"/>
+        <a:font script="Syrc" typeface="Estrangelo Edessa"/>
+        <a:font script="Orya" typeface="Kalinga"/>
+        <a:font script="Mlym" typeface="Kartika"/>
+        <a:font script="Laoo" typeface="DokChampa"/>
+        <a:font script="Sinh" typeface="Iskoola Pota"/>
+        <a:font script="Mong" typeface="Mongolian Baiti"/>
+        <a:font script="Viet" typeface="Times New Roman"/>
+        <a:font script="Uigh" typeface="Microsoft Uighur"/>
+        <a:font script="Geor" typeface="Sylfaen"/>
+        <a:font script="Armn" typeface="Arial"/>
+        <a:font script="Bugi" typeface="Leelawadee UI"/>
+        <a:font script="Bopo" typeface="Microsoft JhengHei"/>
+        <a:font script="Java" typeface="Javanese Text"/>
+        <a:font script="Lisu" typeface="Segoe UI"/>
+        <a:font script="Mymr" typeface="Myanmar Text"/>
+        <a:font script="Nkoo" typeface="Ebrima"/>
+        <a:font script="Olck" typeface="Nirmala UI"/>
+        <a:font script="Osma" typeface="Ebrima"/>
+        <a:font script="Phag" typeface="Phagspa"/>
+        <a:font script="Syrn" typeface="Estrangelo Edessa"/>
+        <a:font script="Syrj" typeface="Estrangelo Edessa"/>
+        <a:font script="Syre" typeface="Estrangelo Edessa"/>
+        <a:font script="Sora" typeface="Nirmala UI"/>
+        <a:font script="Tale" typeface="Microsoft Tai Le"/>
+        <a:font script="Talu" typeface="Microsoft New Tai Lue"/>
+        <a:font script="Tfng" typeface="Ebrima"/>
+      </a:majorFont>
+      <a:minorFont>
+        <a:latin typeface="Calibri" panose="020F0502020204030204"/>
+        <a:ea typeface=""/>
+        <a:cs typeface=""/>
+        <a:font script="Jpan" typeface="游ゴシック"/>
+        <a:font script="Hang" typeface="맑은 고딕"/>
+        <a:font script="Hans" typeface="等线"/>
+        <a:font script="Hant" typeface="新細明體"/>
+        <a:font script="Arab" typeface="Arial"/>
+        <a:font script="Hebr" typeface="Arial"/>
+        <a:font script="Thai" typeface="Cordia New"/>
+        <a:font script="Ethi" typeface="Nyala"/>
+        <a:font script="Beng" typeface="Vrinda"/>
+        <a:font script="Gujr" typeface="Shruti"/>
+        <a:font script="Khmr" typeface="DaunPenh"/>
+        <a:font script="Knda" typeface="Tunga"/>
+        <a:font script="Guru" typeface="Raavi"/>
+        <a:font script="Cans" typeface="Euphemia"/>
+        <a:font script="Cher" typeface="Plantagenet Cherokee"/>
+        <a:font script="Yiii" typeface="Microsoft Yi Baiti"/>
+        <a:font script="Tibt" typeface="Microsoft Himalaya"/>
+        <a:font script="Thaa" typeface="MV Boli"/>
+        <a:font script="Deva" typeface="Mangal"/>
+        <a:font script="Telu" typeface="Gautami"/>
+        <a:font script="Taml" typeface="Latha"/>
+        <a:font script="Syrc" typeface="Estrangelo Edessa"/>
+        <a:font script="Orya" typeface="Kalinga"/>
+        <a:font script="Mlym" typeface="Kartika"/>
+        <a:font script="Laoo" typeface="DokChampa"/>
+        <a:font script="Sinh" typeface="Iskoola Pota"/>
+        <a:font script="Mong" typeface="Mongolian Baiti"/>
+        <a:font script="Viet" typeface="Arial"/>
+        <a:font script="Uigh" typeface="Microsoft Uighur"/>
+        <a:font script="Geor" typeface="Sylfaen"/>
+        <a:font script="Armn" typeface="Arial"/>
+        <a:font script="Bugi" typeface="Leelawadee UI"/>
+        <a:font script="Bopo" typeface="Microsoft JhengHei"/>
+        <a:font script="Java" typeface="Javanese Text"/>
+        <a:font script="Lisu" typeface="Segoe UI"/>
+        <a:font script="Mymr" typeface="Myanmar Text"/>
+        <a:font script="Nkoo" typeface="Ebrima"/>
+        <a:font script="Olck" typeface="Nirmala UI"/>
+        <a:font script="Osma" typeface="Ebrima"/>
+        <a:font script="Phag" typeface="Phagspa"/>
+        <a:font script="Syrn" typeface="Estrangelo Edessa"/>
+        <a:font script="Syrj" typeface="Estrangelo Edessa"/>
+        <a:font script="Syre" typeface="Estrangelo Edessa"/>
+        <a:font script="Sora" typeface="Nirmala UI"/>
+        <a:font script="Tale" typeface="Microsoft Tai Le"/>
+        <a:font script="Talu" typeface="Microsoft New Tai Lue"/>
+        <a:font script="Tfng" typeface="Ebrima"/>
+      </a:minorFont>
+    </a:fontScheme>
+    <a:fmtScheme name="Office">
+      <a:fillStyleLst>
+        <a:solidFill>
+          <a:schemeClr val="phClr"/>
+        </a:solidFill>
+        <a:gradFill rotWithShape="1">
+          <a:gsLst>
+            <a:gs pos="0">
+              <a:schemeClr val="phClr">
+                <a:lumMod val="110000"/>
+                <a:satMod val="105000"/>
+                <a:tint val="67000"/>
+              </a:schemeClr>
+            </a:gs>
+            <a:gs pos="50000">
+              <a:schemeClr val="phClr">
+                <a:lumMod val="105000"/>
+                <a:satMod val="103000"/>
+                <a:tint val="73000"/>
+              </a:schemeClr>
+            </a:gs>
+            <a:gs pos="100000">
+              <a:schemeClr val="phClr">
+                <a:lumMod val="105000"/>
+                <a:satMod val="109000"/>
+                <a:tint val="81000"/>
+              </a:schemeClr>
+            </a:gs>
+          </a:gsLst>
+          <a:lin ang="5400000" scaled="0"/>
+        </a:gradFill>
+        <a:gradFill rotWithShape="1">
+          <a:gsLst>
+            <a:gs pos="0">
+              <a:schemeClr val="phClr">
+                <a:satMod val="103000"/>
+                <a:lumMod val="102000"/>
+                <a:tint val="94000"/>
+              </a:schemeClr>
+            </a:gs>
+            <a:gs pos="50000">
+              <a:schemeClr val="phClr">
+                <a:satMod val="110000"/>
+                <a:lumMod val="100000"/>
+                <a:shade val="100000"/>
+              </a:schemeClr>
+            </a:gs>
+            <a:gs pos="100000">
+              <a:schemeClr val="phClr">
+                <a:lumMod val="99000"/>
+                <a:satMod val="120000"/>
+                <a:shade val="78000"/>
+              </a:schemeClr>
+            </a:gs>
+          </a:gsLst>
+          <a:lin ang="5400000" scaled="0"/>
+        </a:gradFill>
+      </a:fillStyleLst>
+      <a:lnStyleLst>
+        <a:ln w="6350" cap="flat" cmpd="sng" algn="ctr">
+          <a:solidFill>
+            <a:schemeClr val="phClr"/>
+          </a:solidFill>
+          <a:prstDash val="solid"/>
+          <a:miter lim="800000"/>
+        </a:ln>
+        <a:ln w="12700" cap="flat" cmpd="sng" algn="ctr">
+          <a:solidFill>
+            <a:schemeClr val="phClr"/>
+          </a:solidFill>
+          <a:prstDash val="solid"/>
+          <a:miter lim="800000"/>
+        </a:ln>
+        <a:ln w="19050" cap="flat" cmpd="sng" algn="ctr">
+          <a:solidFill>
+            <a:schemeClr val="phClr"/>
+          </a:solidFill>
+          <a:prstDash val="solid"/>
+          <a:miter lim="800000"/>
+        </a:ln>
+      </a:lnStyleLst>
+      <a:effectStyleLst>
+        <a:effectStyle>
+          <a:effectLst/>
+        </a:effectStyle>
+        <a:effectStyle>
+          <a:effectLst/>
+        </a:effectStyle>
+        <a:effectStyle>
+          <a:effectLst>
+            <a:outerShdw blurRad="57150" dist="19050" dir="5400000" algn="ctr" rotWithShape="0">
+              <a:srgbClr val="000000">
+                <a:alpha val="63000"/>
+              </a:srgbClr>
+            </a:outerShdw>
+          </a:effectLst>
+        </a:effectStyle>
+      </a:effectStyleLst>
+      <a:bgFillStyleLst>
+        <a:solidFill>
+          <a:schemeClr val="phClr"/>
+        </a:solidFill>
+        <a:solidFill>
+          <a:schemeClr val="phClr">
+            <a:tint val="95000"/>
+            <a:satMod val="170000"/>
+          </a:schemeClr>
+        </a:solidFill>
+        <a:gradFill rotWithShape="1">
+          <a:gsLst>
+            <a:gs pos="0">
+              <a:schemeClr val="phClr">
+                <a:tint val="93000"/>
+                <a:satMod val="150000"/>
+                <a:shade val="98000"/>
+                <a:lumMod val="102000"/>
+              </a:schemeClr>
+            </a:gs>
+            <a:gs pos="50000">
+              <a:schemeClr val="phClr">
+                <a:tint val="98000"/>
+                <a:satMod val="130000"/>
+                <a:shade val="90000"/>
+                <a:lumMod val="103000"/>
+              </a:schemeClr>
+            </a:gs>
+            <a:gs pos="100000">
+              <a:schemeClr val="phClr">
+                <a:shade val="63000"/>
+                <a:satMod val="120000"/>
+              </a:schemeClr>
+            </a:gs>
+          </a:gsLst>
+          <a:lin ang="5400000" scaled="0"/>
+        </a:gradFill>
+      </a:bgFillStyleLst>
+    </a:fmtScheme>
+  </a:themeElements>
+  <a:objectDefaults/>
+  <a:extraClrSchemeLst/>
+  <a:extLst>
+    <a:ext uri="{05A4C25C-085E-4340-85A3-A5531E510DB2}">
+      <thm15:themeFamily xmlns:thm15="http://schemas.microsoft.com/office/thememl/2012/main" name="Office Theme" id="{62F939B6-93AF-4DB8-9C6B-D6C7DFDC589F}" vid="{4A3C46E8-61CC-4603-A589-7422A47A8E4A}"/>
+    </a:ext>
+  </a:extLst>
+</a:theme>
 </file>
--- a/Slides/Lesson1.3.pptx
+++ b/Slides/Lesson1.3.pptx
@@ -211,7 +211,7 @@
           <a:p>
             <a:fld id="{5A2C853B-AD41-4CA0-953D-935D89A099A3}" type="datetimeFigureOut">
               <a:rPr lang="en-US" smtClean="0"/>
-              <a:t>4/8/2019</a:t>
+              <a:t>4/17/2019</a:t>
             </a:fld>
             <a:endParaRPr lang="en-US"/>
           </a:p>
@@ -1311,7 +1311,7 @@
             <a:fld id="{B61BEF0D-F0BB-DE4B-95CE-6DB70DBA9567}" type="datetimeFigureOut">
               <a:rPr lang="en-US" dirty="0"/>
               <a:pPr/>
-              <a:t>4/8/2019</a:t>
+              <a:t>4/17/2019</a:t>
             </a:fld>
             <a:endParaRPr lang="en-US" dirty="0"/>
           </a:p>
@@ -1559,7 +1559,7 @@
             <a:fld id="{B61BEF0D-F0BB-DE4B-95CE-6DB70DBA9567}" type="datetimeFigureOut">
               <a:rPr lang="en-US" dirty="0"/>
               <a:pPr/>
-              <a:t>4/8/2019</a:t>
+              <a:t>4/17/2019</a:t>
             </a:fld>
             <a:endParaRPr lang="en-US" dirty="0"/>
           </a:p>
@@ -1870,7 +1870,7 @@
             <a:fld id="{B61BEF0D-F0BB-DE4B-95CE-6DB70DBA9567}" type="datetimeFigureOut">
               <a:rPr lang="en-US" dirty="0"/>
               <a:pPr/>
-              <a:t>4/8/2019</a:t>
+              <a:t>4/17/2019</a:t>
             </a:fld>
             <a:endParaRPr lang="en-US" dirty="0"/>
           </a:p>
@@ -2200,7 +2200,7 @@
             <a:fld id="{B61BEF0D-F0BB-DE4B-95CE-6DB70DBA9567}" type="datetimeFigureOut">
               <a:rPr lang="en-US" dirty="0"/>
               <a:pPr/>
-              <a:t>4/8/2019</a:t>
+              <a:t>4/17/2019</a:t>
             </a:fld>
             <a:endParaRPr lang="en-US" dirty="0"/>
           </a:p>
@@ -2511,7 +2511,7 @@
             <a:fld id="{B61BEF0D-F0BB-DE4B-95CE-6DB70DBA9567}" type="datetimeFigureOut">
               <a:rPr lang="en-US" dirty="0"/>
               <a:pPr/>
-              <a:t>4/8/2019</a:t>
+              <a:t>4/17/2019</a:t>
             </a:fld>
             <a:endParaRPr lang="en-US" dirty="0"/>
           </a:p>
@@ -2901,7 +2901,7 @@
             <a:fld id="{B61BEF0D-F0BB-DE4B-95CE-6DB70DBA9567}" type="datetimeFigureOut">
               <a:rPr lang="en-US" dirty="0"/>
               <a:pPr/>
-              <a:t>4/8/2019</a:t>
+              <a:t>4/17/2019</a:t>
             </a:fld>
             <a:endParaRPr lang="en-US" dirty="0"/>
           </a:p>
@@ -3067,7 +3067,7 @@
           <a:p>
             <a:fld id="{55C6B4A9-1611-4792-9094-5F34BCA07E0B}" type="datetimeFigureOut">
               <a:rPr lang="en-US" dirty="0"/>
-              <a:t>4/8/2019</a:t>
+              <a:t>4/17/2019</a:t>
             </a:fld>
             <a:endParaRPr lang="en-US" dirty="0"/>
           </a:p>
@@ -3243,7 +3243,7 @@
             <a:fld id="{B61BEF0D-F0BB-DE4B-95CE-6DB70DBA9567}" type="datetimeFigureOut">
               <a:rPr lang="en-US" dirty="0"/>
               <a:pPr/>
-              <a:t>4/8/2019</a:t>
+              <a:t>4/17/2019</a:t>
             </a:fld>
             <a:endParaRPr lang="en-US" dirty="0"/>
           </a:p>
@@ -3409,7 +3409,7 @@
           <a:p>
             <a:fld id="{42A54C80-263E-416B-A8E0-580EDEADCBDC}" type="datetimeFigureOut">
               <a:rPr lang="en-US" dirty="0"/>
-              <a:t>4/8/2019</a:t>
+              <a:t>4/17/2019</a:t>
             </a:fld>
             <a:endParaRPr lang="en-US" dirty="0"/>
           </a:p>
@@ -3652,7 +3652,7 @@
             <a:fld id="{B61BEF0D-F0BB-DE4B-95CE-6DB70DBA9567}" type="datetimeFigureOut">
               <a:rPr lang="en-US" dirty="0"/>
               <a:pPr/>
-              <a:t>4/8/2019</a:t>
+              <a:t>4/17/2019</a:t>
             </a:fld>
             <a:endParaRPr lang="en-US" dirty="0"/>
           </a:p>
@@ -3880,7 +3880,7 @@
           <a:p>
             <a:fld id="{42A54C80-263E-416B-A8E0-580EDEADCBDC}" type="datetimeFigureOut">
               <a:rPr lang="en-US" dirty="0"/>
-              <a:t>4/8/2019</a:t>
+              <a:t>4/17/2019</a:t>
             </a:fld>
             <a:endParaRPr lang="en-US" dirty="0"/>
           </a:p>
@@ -4250,7 +4250,7 @@
             <a:fld id="{B61BEF0D-F0BB-DE4B-95CE-6DB70DBA9567}" type="datetimeFigureOut">
               <a:rPr lang="en-US" dirty="0"/>
               <a:pPr/>
-              <a:t>4/8/2019</a:t>
+              <a:t>4/17/2019</a:t>
             </a:fld>
             <a:endParaRPr lang="en-US" dirty="0"/>
           </a:p>
@@ -4370,7 +4370,7 @@
             <a:fld id="{B61BEF0D-F0BB-DE4B-95CE-6DB70DBA9567}" type="datetimeFigureOut">
               <a:rPr lang="en-US" dirty="0"/>
               <a:pPr/>
-              <a:t>4/8/2019</a:t>
+              <a:t>4/17/2019</a:t>
             </a:fld>
             <a:endParaRPr lang="en-US" dirty="0"/>
           </a:p>
@@ -4462,7 +4462,7 @@
             <a:fld id="{B61BEF0D-F0BB-DE4B-95CE-6DB70DBA9567}" type="datetimeFigureOut">
               <a:rPr lang="en-US" dirty="0"/>
               <a:pPr/>
-              <a:t>4/8/2019</a:t>
+              <a:t>4/17/2019</a:t>
             </a:fld>
             <a:endParaRPr lang="en-US" dirty="0"/>
           </a:p>
@@ -4713,7 +4713,7 @@
           <a:p>
             <a:fld id="{42A54C80-263E-416B-A8E0-580EDEADCBDC}" type="datetimeFigureOut">
               <a:rPr lang="en-US" dirty="0"/>
-              <a:t>4/8/2019</a:t>
+              <a:t>4/17/2019</a:t>
             </a:fld>
             <a:endParaRPr lang="en-US" dirty="0"/>
           </a:p>
@@ -5015,7 +5015,7 @@
             <a:fld id="{B61BEF0D-F0BB-DE4B-95CE-6DB70DBA9567}" type="datetimeFigureOut">
               <a:rPr lang="en-US" dirty="0"/>
               <a:pPr/>
-              <a:t>4/8/2019</a:t>
+              <a:t>4/17/2019</a:t>
             </a:fld>
             <a:endParaRPr lang="en-US" dirty="0"/>
           </a:p>
@@ -5713,7 +5713,7 @@
             <a:fld id="{B61BEF0D-F0BB-DE4B-95CE-6DB70DBA9567}" type="datetimeFigureOut">
               <a:rPr lang="en-US" dirty="0"/>
               <a:pPr/>
-              <a:t>4/8/2019</a:t>
+              <a:t>4/17/2019</a:t>
             </a:fld>
             <a:endParaRPr lang="en-US" dirty="0"/>
           </a:p>
@@ -9153,7 +9153,15 @@
           <a:p>
             <a:r>
               <a:rPr lang="en-US" dirty="0"/>
-              <a:t>The different results of a different Boolean operations can be expressed in tables called Truth Tables.</a:t>
+              <a:t>The different </a:t>
+            </a:r>
+            <a:r>
+              <a:rPr lang="en-US"/>
+              <a:t>results of </a:t>
+            </a:r>
+            <a:r>
+              <a:rPr lang="en-US" dirty="0"/>
+              <a:t>different Boolean operations can be expressed in tables called Truth Tables.</a:t>
             </a:r>
           </a:p>
         </p:txBody>
